--- a/leibniz/exposición leibniz et libero arbitro.pptx
+++ b/leibniz/exposición leibniz et libero arbitro.pptx
@@ -5,7 +5,7 @@
     <p:sldMasterId id="2147483648" r:id="rId1"/>
   </p:sldMasterIdLst>
   <p:notesMasterIdLst>
-    <p:notesMasterId r:id="rId40"/>
+    <p:notesMasterId r:id="rId39"/>
   </p:notesMasterIdLst>
   <p:sldIdLst>
     <p:sldId id="256" r:id="rId2"/>
@@ -45,7 +45,6 @@
     <p:sldId id="291" r:id="rId36"/>
     <p:sldId id="292" r:id="rId37"/>
     <p:sldId id="289" r:id="rId38"/>
-    <p:sldId id="294" r:id="rId39"/>
   </p:sldIdLst>
   <p:sldSz cx="9144000" cy="6858000" type="screen4x3"/>
   <p:notesSz cx="6858000" cy="9144000"/>
@@ -230,7 +229,7 @@
             <a:fld id="{487D14E7-FB58-42A9-A142-03212DAD9B21}" type="datetimeFigureOut">
               <a:rPr lang="es-PE" smtClean="0"/>
               <a:pPr/>
-              <a:t>27/03/2018</a:t>
+              <a:t>27/08/2018</a:t>
             </a:fld>
             <a:endParaRPr lang="es-PE"/>
           </a:p>
@@ -760,7 +759,7 @@
             <a:fld id="{F594CE48-124E-45DB-AA74-305AE0B3F952}" type="datetimeFigureOut">
               <a:rPr lang="es-PE" smtClean="0"/>
               <a:pPr/>
-              <a:t>27/03/2018</a:t>
+              <a:t>27/08/2018</a:t>
             </a:fld>
             <a:endParaRPr lang="es-PE"/>
           </a:p>
@@ -927,7 +926,7 @@
             <a:fld id="{F594CE48-124E-45DB-AA74-305AE0B3F952}" type="datetimeFigureOut">
               <a:rPr lang="es-PE" smtClean="0"/>
               <a:pPr/>
-              <a:t>27/03/2018</a:t>
+              <a:t>27/08/2018</a:t>
             </a:fld>
             <a:endParaRPr lang="es-PE"/>
           </a:p>
@@ -1104,7 +1103,7 @@
             <a:fld id="{F594CE48-124E-45DB-AA74-305AE0B3F952}" type="datetimeFigureOut">
               <a:rPr lang="es-PE" smtClean="0"/>
               <a:pPr/>
-              <a:t>27/03/2018</a:t>
+              <a:t>27/08/2018</a:t>
             </a:fld>
             <a:endParaRPr lang="es-PE"/>
           </a:p>
@@ -1271,7 +1270,7 @@
             <a:fld id="{F594CE48-124E-45DB-AA74-305AE0B3F952}" type="datetimeFigureOut">
               <a:rPr lang="es-PE" smtClean="0"/>
               <a:pPr/>
-              <a:t>27/03/2018</a:t>
+              <a:t>27/08/2018</a:t>
             </a:fld>
             <a:endParaRPr lang="es-PE"/>
           </a:p>
@@ -1514,7 +1513,7 @@
             <a:fld id="{F594CE48-124E-45DB-AA74-305AE0B3F952}" type="datetimeFigureOut">
               <a:rPr lang="es-PE" smtClean="0"/>
               <a:pPr/>
-              <a:t>27/03/2018</a:t>
+              <a:t>27/08/2018</a:t>
             </a:fld>
             <a:endParaRPr lang="es-PE"/>
           </a:p>
@@ -1799,7 +1798,7 @@
             <a:fld id="{F594CE48-124E-45DB-AA74-305AE0B3F952}" type="datetimeFigureOut">
               <a:rPr lang="es-PE" smtClean="0"/>
               <a:pPr/>
-              <a:t>27/03/2018</a:t>
+              <a:t>27/08/2018</a:t>
             </a:fld>
             <a:endParaRPr lang="es-PE"/>
           </a:p>
@@ -2218,7 +2217,7 @@
             <a:fld id="{F594CE48-124E-45DB-AA74-305AE0B3F952}" type="datetimeFigureOut">
               <a:rPr lang="es-PE" smtClean="0"/>
               <a:pPr/>
-              <a:t>27/03/2018</a:t>
+              <a:t>27/08/2018</a:t>
             </a:fld>
             <a:endParaRPr lang="es-PE"/>
           </a:p>
@@ -2333,7 +2332,7 @@
             <a:fld id="{F594CE48-124E-45DB-AA74-305AE0B3F952}" type="datetimeFigureOut">
               <a:rPr lang="es-PE" smtClean="0"/>
               <a:pPr/>
-              <a:t>27/03/2018</a:t>
+              <a:t>27/08/2018</a:t>
             </a:fld>
             <a:endParaRPr lang="es-PE"/>
           </a:p>
@@ -2425,7 +2424,7 @@
             <a:fld id="{F594CE48-124E-45DB-AA74-305AE0B3F952}" type="datetimeFigureOut">
               <a:rPr lang="es-PE" smtClean="0"/>
               <a:pPr/>
-              <a:t>27/03/2018</a:t>
+              <a:t>27/08/2018</a:t>
             </a:fld>
             <a:endParaRPr lang="es-PE"/>
           </a:p>
@@ -2699,7 +2698,7 @@
             <a:fld id="{F594CE48-124E-45DB-AA74-305AE0B3F952}" type="datetimeFigureOut">
               <a:rPr lang="es-PE" smtClean="0"/>
               <a:pPr/>
-              <a:t>27/03/2018</a:t>
+              <a:t>27/08/2018</a:t>
             </a:fld>
             <a:endParaRPr lang="es-PE"/>
           </a:p>
@@ -2949,7 +2948,7 @@
             <a:fld id="{F594CE48-124E-45DB-AA74-305AE0B3F952}" type="datetimeFigureOut">
               <a:rPr lang="es-PE" smtClean="0"/>
               <a:pPr/>
-              <a:t>27/03/2018</a:t>
+              <a:t>27/08/2018</a:t>
             </a:fld>
             <a:endParaRPr lang="es-PE"/>
           </a:p>
@@ -3159,7 +3158,7 @@
             <a:fld id="{F594CE48-124E-45DB-AA74-305AE0B3F952}" type="datetimeFigureOut">
               <a:rPr lang="es-PE" smtClean="0"/>
               <a:pPr/>
-              <a:t>27/03/2018</a:t>
+              <a:t>27/08/2018</a:t>
             </a:fld>
             <a:endParaRPr lang="es-PE"/>
           </a:p>
@@ -3572,7 +3571,7 @@
         <p:spPr>
           <a:xfrm>
             <a:off x="285720" y="1714488"/>
-            <a:ext cx="8572155" cy="4524315"/>
+            <a:ext cx="8646406" cy="4247317"/>
           </a:xfrm>
           <a:prstGeom prst="rect">
             <a:avLst/>
@@ -3587,18 +3586,8 @@
           <a:p>
             <a:r>
               <a:rPr lang="es-PE" dirty="0" smtClean="0"/>
-              <a:t>Capítulo </a:t>
-            </a:r>
-            <a:r>
-              <a:rPr lang="es-PE" dirty="0"/>
               <a:t>I</a:t>
             </a:r>
-            <a:r>
-              <a:rPr lang="es-PE" dirty="0" smtClean="0"/>
-              <a:t>:	</a:t>
-            </a:r>
-          </a:p>
-          <a:p>
             <a:r>
               <a:rPr lang="es-PE" dirty="0"/>
               <a:t>	</a:t>
@@ -3613,13 +3602,13 @@
             </a:r>
           </a:p>
           <a:p>
-            <a:r>
-              <a:rPr lang="es-PE" dirty="0"/>
-              <a:t>Capítulo II: </a:t>
-            </a:r>
             <a:endParaRPr lang="es-PE" dirty="0" smtClean="0"/>
           </a:p>
           <a:p>
+            <a:r>
+              <a:rPr lang="es-PE" dirty="0" smtClean="0"/>
+              <a:t>II</a:t>
+            </a:r>
             <a:r>
               <a:rPr lang="es-PE" dirty="0"/>
               <a:t>	</a:t>
@@ -3630,20 +3619,21 @@
             </a:r>
             <a:r>
               <a:rPr lang="es-PE" dirty="0"/>
-              <a:t>general del problema del libre albedrío</a:t>
-            </a:r>
-          </a:p>
-          <a:p>
-            <a:r>
-              <a:rPr lang="es-PE" dirty="0"/>
-              <a:t>Capítulo III</a:t>
+              <a:t>general del problema del libre </a:t>
             </a:r>
             <a:r>
               <a:rPr lang="es-PE" dirty="0" smtClean="0"/>
-              <a:t>:</a:t>
-            </a:r>
-          </a:p>
-          <a:p>
+              <a:t>albedrío</a:t>
+            </a:r>
+          </a:p>
+          <a:p>
+            <a:endParaRPr lang="es-PE" dirty="0"/>
+          </a:p>
+          <a:p>
+            <a:r>
+              <a:rPr lang="es-PE" dirty="0" smtClean="0"/>
+              <a:t>III</a:t>
+            </a:r>
             <a:r>
               <a:rPr lang="es-PE" dirty="0"/>
               <a:t>	</a:t>
@@ -3760,19 +3750,22 @@
               <a:t>Lo que nos dice Leibniz sobre la libertad en la </a:t>
             </a:r>
             <a:r>
-              <a:rPr lang="es-PE" i="1" dirty="0"/>
+              <a:rPr lang="es-PE" i="1" dirty="0" smtClean="0"/>
               <a:t>Teodicea</a:t>
             </a:r>
-            <a:endParaRPr lang="es-PE" dirty="0"/>
-          </a:p>
-          <a:p>
-            <a:r>
-              <a:rPr lang="es-PE" dirty="0"/>
-              <a:t>Capítulo IV: </a:t>
-            </a:r>
-            <a:endParaRPr lang="es-PE" dirty="0" smtClean="0"/>
-          </a:p>
-          <a:p>
+            <a:endParaRPr lang="es-PE" i="1" dirty="0"/>
+          </a:p>
+          <a:p>
+            <a:r>
+              <a:rPr lang="es-PE" dirty="0" smtClean="0"/>
+              <a:t> </a:t>
+            </a:r>
+          </a:p>
+          <a:p>
+            <a:r>
+              <a:rPr lang="es-PE" dirty="0" smtClean="0"/>
+              <a:t>IV</a:t>
+            </a:r>
             <a:r>
               <a:rPr lang="es-PE" dirty="0"/>
               <a:t>	</a:t>
@@ -3847,11 +3840,7 @@
           <a:p>
             <a:r>
               <a:rPr lang="es-PE" b="1" u="sng" dirty="0" smtClean="0"/>
-              <a:t>III.II.I La armonía </a:t>
-            </a:r>
-            <a:r>
-              <a:rPr lang="es-PE" b="1" u="sng" dirty="0" smtClean="0"/>
-              <a:t>preestablecida</a:t>
+              <a:t>III.II.I La armonía preestablecida</a:t>
             </a:r>
             <a:r>
               <a:rPr lang="es-PE" dirty="0" smtClean="0"/>
@@ -3926,11 +3915,7 @@
             </a:pPr>
             <a:r>
               <a:rPr lang="es-PE" sz="1700" dirty="0" smtClean="0"/>
-              <a:t> </a:t>
-            </a:r>
-            <a:r>
-              <a:rPr lang="es-PE" sz="1700" dirty="0" smtClean="0"/>
-              <a:t>Como presupuesto de lo anterior, hemos referido la empresa de conciliar fe y razón. </a:t>
+              <a:t> Como presupuesto de lo anterior, hemos referido la empresa de conciliar fe y razón. </a:t>
             </a:r>
           </a:p>
           <a:p>
@@ -3975,11 +3960,7 @@
             </a:pPr>
             <a:r>
               <a:rPr lang="es-PE" sz="1700" dirty="0" smtClean="0"/>
-              <a:t> </a:t>
-            </a:r>
-            <a:r>
-              <a:rPr lang="es-PE" sz="1700" dirty="0" smtClean="0"/>
-              <a:t>La Armonía del mundo tiene un soporte en aquello que Leibniz postula como el Principio de Razón Suficiente, el cual supone que para absolutamente todo evento de la realidad, le corresponde una causa suficiente que explique su instante presente.  Podemos advertir que la causa última o primera, es Dios.</a:t>
+              <a:t> La Armonía del mundo tiene un soporte en aquello que Leibniz postula como el Principio de Razón Suficiente, el cual supone que para absolutamente todo evento de la realidad, le corresponde una causa suficiente que explique su instante presente.  Podemos advertir que la causa última o primera, es Dios.</a:t>
             </a:r>
           </a:p>
           <a:p>
@@ -3989,11 +3970,7 @@
             </a:pPr>
             <a:r>
               <a:rPr lang="es-PE" sz="1700" dirty="0" smtClean="0"/>
-              <a:t> </a:t>
-            </a:r>
-            <a:r>
-              <a:rPr lang="es-PE" sz="1700" dirty="0" smtClean="0"/>
-              <a:t>Uno de los mayores esfuerzos por armonizar conceptos, es el que podemos atender en la controversia entre el determinismo y el libre albedrío. </a:t>
+              <a:t> Uno de los mayores esfuerzos por armonizar conceptos, es el que podemos atender en la controversia entre el determinismo y el libre albedrío. </a:t>
             </a:r>
           </a:p>
           <a:p>
@@ -4003,11 +3980,7 @@
             </a:pPr>
             <a:r>
               <a:rPr lang="es-PE" sz="1700" dirty="0" smtClean="0"/>
-              <a:t> </a:t>
-            </a:r>
-            <a:r>
-              <a:rPr lang="es-PE" sz="1700" dirty="0" smtClean="0"/>
-              <a:t>En la teoría de la substancia individual, como veremos a continuación, existen distintos y varios matices de la armonía preestablecida, tal y como los referimos. </a:t>
+              <a:t> En la teoría de la substancia individual, como veremos a continuación, existen distintos y varios matices de la armonía preestablecida, tal y como los referimos. </a:t>
             </a:r>
           </a:p>
           <a:p>
@@ -4064,15 +4037,7 @@
             <a:pPr algn="ctr"/>
             <a:r>
               <a:rPr lang="es-PE" dirty="0" smtClean="0"/>
-              <a:t>“Cada </a:t>
-            </a:r>
-            <a:r>
-              <a:rPr lang="es-PE" dirty="0" smtClean="0"/>
-              <a:t>estado momentáneo de una substancia simple es la consecuencia natural de su estado inmediatamente precedente, de modo que el presente está preñado con el futuro</a:t>
-            </a:r>
-            <a:r>
-              <a:rPr lang="es-PE" dirty="0" smtClean="0"/>
-              <a:t>” </a:t>
+              <a:t>“Cada estado momentáneo de una substancia simple es la consecuencia natural de su estado inmediatamente precedente, de modo que el presente está preñado con el futuro” </a:t>
             </a:r>
           </a:p>
           <a:p>
@@ -4220,11 +4185,7 @@
           <a:p>
             <a:r>
               <a:rPr lang="es-PE" b="1" u="sng" dirty="0" smtClean="0"/>
-              <a:t>III.II.II La substancia </a:t>
-            </a:r>
-            <a:r>
-              <a:rPr lang="es-PE" b="1" u="sng" dirty="0" smtClean="0"/>
-              <a:t>individual</a:t>
+              <a:t>III.II.II La substancia individual</a:t>
             </a:r>
             <a:endParaRPr lang="es-PE" dirty="0"/>
           </a:p>
@@ -4283,11 +4244,7 @@
             </a:pPr>
             <a:r>
               <a:rPr lang="es-PE" dirty="0" smtClean="0"/>
-              <a:t> </a:t>
-            </a:r>
-            <a:r>
-              <a:rPr lang="es-PE" dirty="0" smtClean="0"/>
-              <a:t> Debemos adelantar tres aspectos importantes de la teoría de la substancia individual</a:t>
+              <a:t>  Debemos adelantar tres aspectos importantes de la teoría de la substancia individual</a:t>
             </a:r>
           </a:p>
           <a:p>
@@ -4304,11 +4261,7 @@
             </a:pPr>
             <a:r>
               <a:rPr lang="es-PE" dirty="0" smtClean="0"/>
-              <a:t> </a:t>
-            </a:r>
-            <a:r>
-              <a:rPr lang="es-PE" dirty="0" smtClean="0"/>
-              <a:t>En ella se aprecian diversos presupuestos que parecen conducir al determinismo fuerte.</a:t>
+              <a:t> En ella se aprecian diversos presupuestos que parecen conducir al determinismo fuerte.</a:t>
             </a:r>
           </a:p>
           <a:p>
@@ -4318,11 +4271,7 @@
             </a:pPr>
             <a:r>
               <a:rPr lang="es-PE" dirty="0" smtClean="0"/>
-              <a:t> </a:t>
-            </a:r>
-            <a:r>
-              <a:rPr lang="es-PE" dirty="0" smtClean="0"/>
-              <a:t>El ejemplo de Julio César, en el </a:t>
+              <a:t> El ejemplo de Julio César, en el </a:t>
             </a:r>
             <a:r>
               <a:rPr lang="es-PE" i="1" dirty="0" smtClean="0"/>
@@ -4340,13 +4289,8 @@
             </a:pPr>
             <a:r>
               <a:rPr lang="es-PE" dirty="0" smtClean="0"/>
-              <a:t> </a:t>
-            </a:r>
-            <a:r>
-              <a:rPr lang="es-PE" dirty="0" smtClean="0"/>
-              <a:t>Por último, debemos considerar que la República de Mónadas Racionales, es estimada por Leibniz como la mayor y más noble creación divina. Se le puede entender, como veremos hacia el final, como una versión moderna de la Ciudad de Dios de San Agustín. </a:t>
-            </a:r>
-            <a:endParaRPr lang="es-PE" dirty="0" smtClean="0"/>
+              <a:t> Por último, debemos considerar que la República de Mónadas Racionales, es estimada por Leibniz como la mayor y más noble creación divina. Se le puede entender, como veremos hacia el final, como una versión moderna de la Ciudad de Dios de San Agustín. </a:t>
+            </a:r>
           </a:p>
         </p:txBody>
       </p:sp>
@@ -4410,11 +4354,7 @@
             </a:pPr>
             <a:r>
               <a:rPr lang="es-PE" dirty="0" smtClean="0"/>
-              <a:t> </a:t>
-            </a:r>
-            <a:r>
-              <a:rPr lang="es-PE" dirty="0" smtClean="0"/>
-              <a:t>Los compuestos se generan de partes simples, las  cuales no se pueden dividir a su vez en partes. Por ello las mónadas son como los átomos de la naturaleza, constituyendo elementalmente todo lo que existe. Debemos advertir que el concepto de mónada, es puramente metafísico y veremos de qué modo se encarna en lo material.</a:t>
+              <a:t> Los compuestos se generan de partes simples, las  cuales no se pueden dividir a su vez en partes. Por ello las mónadas son como los átomos de la naturaleza, constituyendo elementalmente todo lo que existe. Debemos advertir que el concepto de mónada, es puramente metafísico y veremos de qué modo se encarna en lo material.</a:t>
             </a:r>
           </a:p>
           <a:p>
@@ -4424,11 +4364,7 @@
             </a:pPr>
             <a:r>
               <a:rPr lang="es-PE" dirty="0" smtClean="0"/>
-              <a:t> </a:t>
-            </a:r>
-            <a:r>
-              <a:rPr lang="es-PE" dirty="0" smtClean="0"/>
-              <a:t>Las mónadas no se crean aisladas unas de otras, sino que  todas son creadas o destruidas a la vez al mismo tiempo. Una vez establecido el sistema, Leibniz no admite que haya necesidad de correcciones o arreglos, sino que todo el devenir está perfectamente planeado y establecido. Así, mientras los compuestos se hacen y deshacen de acuerdo a sus partes y gradualmente, las mónadas por otro lado sólo pueden haber sido creadas en un acto primordial. </a:t>
+              <a:t> Las mónadas no se crean aisladas unas de otras, sino que  todas son creadas o destruidas a la vez al mismo tiempo. Una vez establecido el sistema, Leibniz no admite que haya necesidad de correcciones o arreglos, sino que todo el devenir está perfectamente planeado y establecido. Así, mientras los compuestos se hacen y deshacen de acuerdo a sus partes y gradualmente, las mónadas por otro lado sólo pueden haber sido creadas en un acto primordial. </a:t>
             </a:r>
           </a:p>
           <a:p>
@@ -4456,11 +4392,7 @@
             </a:pPr>
             <a:r>
               <a:rPr lang="es-PE" dirty="0" smtClean="0"/>
-              <a:t> </a:t>
-            </a:r>
-            <a:r>
-              <a:rPr lang="es-PE" dirty="0" smtClean="0"/>
-              <a:t>Ya que no pueden cambiarse a sí mismas, ni ser alteradas desde afuera, resta que sus cambios provengan de una fuerza interior preestablecida; las mónadas adquieren innatamente sus determinaciones y todo cambio que manifieste en el mundo es algo que esencialmente traía el devenir de aquella mónada consigo, desde su diseño.</a:t>
+              <a:t> Ya que no pueden cambiarse a sí mismas, ni ser alteradas desde afuera, resta que sus cambios provengan de una fuerza interior preestablecida; las mónadas adquieren innatamente sus determinaciones y todo cambio que manifieste en el mundo es algo que esencialmente traía el devenir de aquella mónada consigo, desde su diseño.</a:t>
             </a:r>
           </a:p>
           <a:p>
@@ -4546,11 +4478,7 @@
             </a:pPr>
             <a:r>
               <a:rPr lang="es-PE" dirty="0" smtClean="0"/>
-              <a:t> </a:t>
-            </a:r>
-            <a:r>
-              <a:rPr lang="es-PE" dirty="0" smtClean="0"/>
-              <a:t>Hay un complejo sistema armonizado entre los cambios de mónadas y otras mónadas y sus respectivos cambios y relaciones. Leibniz explica éste punto mediante la intervención divina y la perfección del creador.  Todas las relaciones </a:t>
+              <a:t> Hay un complejo sistema armonizado entre los cambios de mónadas y otras mónadas y sus respectivos cambios y relaciones. Leibniz explica éste punto mediante la intervención divina y la perfección del creador.  Todas las relaciones </a:t>
             </a:r>
             <a:r>
               <a:rPr lang="es-PE" dirty="0" err="1" smtClean="0"/>
@@ -4568,11 +4496,7 @@
             </a:pPr>
             <a:r>
               <a:rPr lang="es-PE" dirty="0" smtClean="0"/>
-              <a:t> </a:t>
-            </a:r>
-            <a:r>
-              <a:rPr lang="es-PE" dirty="0" smtClean="0"/>
-              <a:t>Hay un aspecto de multiplicidad dentro de la simplicidad de la mónada. Leibniz llama al cambio de un estado a otro como “percepción”, lo cual debe distinguirse de “consciencia”.  Ello permite distinguir las mónadas que perciben sus cambios y las que no. </a:t>
+              <a:t> Hay un aspecto de multiplicidad dentro de la simplicidad de la mónada. Leibniz llama al cambio de un estado a otro como “percepción”, lo cual debe distinguirse de “consciencia”.  Ello permite distinguir las mónadas que perciben sus cambios y las que no. </a:t>
             </a:r>
           </a:p>
           <a:p>
@@ -4582,11 +4506,7 @@
             </a:pPr>
             <a:r>
               <a:rPr lang="es-PE" dirty="0" smtClean="0"/>
-              <a:t> </a:t>
-            </a:r>
-            <a:r>
-              <a:rPr lang="es-PE" dirty="0" smtClean="0"/>
-              <a:t>Esta distinción fundamental permite distinguir aún más las mónadas que se refieren como entelequias o almas, por cuanto están dotadas de memoria o consciencia, y en suma, fundamentalmente de la luz de la razón. </a:t>
+              <a:t> Esta distinción fundamental permite distinguir aún más las mónadas que se refieren como entelequias o almas, por cuanto están dotadas de memoria o consciencia, y en suma, fundamentalmente de la luz de la razón. </a:t>
             </a:r>
           </a:p>
           <a:p>
@@ -4632,11 +4552,7 @@
             <a:pPr algn="ctr"/>
             <a:r>
               <a:rPr lang="es-PE" dirty="0" smtClean="0"/>
-              <a:t>: “Hay cierta clase de auto-suficiencia que les hace fuentes de sus propias acciones internas, lo que les hace de algún modo autómatas inmateriales</a:t>
-            </a:r>
-            <a:r>
-              <a:rPr lang="es-PE" dirty="0" smtClean="0"/>
-              <a:t>.” </a:t>
+              <a:t>: “Hay cierta clase de auto-suficiencia que les hace fuentes de sus propias acciones internas, lo que les hace de algún modo autómatas inmateriales.” </a:t>
             </a:r>
           </a:p>
           <a:p>
@@ -4687,11 +4603,7 @@
             <a:pPr algn="ctr"/>
             <a:r>
               <a:rPr lang="es-PE" dirty="0" smtClean="0"/>
-              <a:t>La última razón para las cosas debe estar en una substancia necesaria que llamamos Dios. Los detalles de todos los cambios contingentes están contenidos en él sólo eminente o virtualmente, como su fuente. Esta substancia necesaria es razón suficiente para todo este detalle, el cual está interconectado a través de sí mismo, por lo que hay un solo Dios, y este Dios es suficiente. </a:t>
-            </a:r>
-            <a:r>
-              <a:rPr lang="es-PE" dirty="0" smtClean="0"/>
-              <a:t> (</a:t>
+              <a:t>La última razón para las cosas debe estar en una substancia necesaria que llamamos Dios. Los detalles de todos los cambios contingentes están contenidos en él sólo eminente o virtualmente, como su fuente. Esta substancia necesaria es razón suficiente para todo este detalle, el cual está interconectado a través de sí mismo, por lo que hay un solo Dios, y este Dios es suficiente.  (</a:t>
             </a:r>
             <a:r>
               <a:rPr lang="es-PE" i="1" dirty="0" smtClean="0"/>
@@ -4910,11 +4822,7 @@
             <a:pPr algn="ctr"/>
             <a:r>
               <a:rPr lang="es-PE" dirty="0" smtClean="0"/>
-              <a:t>“A </a:t>
-            </a:r>
-            <a:r>
-              <a:rPr lang="es-PE" dirty="0" smtClean="0"/>
-              <a:t>pesar de que cada mónada representa el universo entero, representa más distintivamente el cuerpo al que ha sido asignado exclusivamente y con el cual forma la entelequia. Y del modo en que un cuerpo expresa el universo entero a través de toda la interconexión de la materia con el </a:t>
+              <a:t>“A pesar de que cada mónada representa el universo entero, representa más distintivamente el cuerpo al que ha sido asignado exclusivamente y con el cual forma la entelequia. Y del modo en que un cuerpo expresa el universo entero a través de toda la interconexión de la materia con el </a:t>
             </a:r>
             <a:r>
               <a:rPr lang="es-PE" i="1" dirty="0" err="1" smtClean="0"/>
@@ -4922,11 +4830,7 @@
             </a:r>
             <a:r>
               <a:rPr lang="es-PE" dirty="0" smtClean="0"/>
-              <a:t>, el alma así representa el universo entero representando su cuerpo particular. (…) De modo que cada cuerpo organizado de una cosa viva es una suerte de máquina divina o autómata natural. Sobrepasa infinitamente cualquier autómata artificial, porque una máquina hecha por el hombre no es una máquina en cada una de sus partes. Por ejemplo, un engranaje en una rueda de cobre tiene partes y fragmentos los cuales dejan de ser algo artificial para nosotros.(…) Pero las máquinas naturales, los cuerpos vivientes, son máquinas hasta en sus partes más pequeñas hasta el infinito. Eso diferencia la naturaleza del </a:t>
-            </a:r>
-            <a:r>
-              <a:rPr lang="es-PE" dirty="0" smtClean="0"/>
-              <a:t>artificio.”</a:t>
+              <a:t>, el alma así representa el universo entero representando su cuerpo particular. (…) De modo que cada cuerpo organizado de una cosa viva es una suerte de máquina divina o autómata natural. Sobrepasa infinitamente cualquier autómata artificial, porque una máquina hecha por el hombre no es una máquina en cada una de sus partes. Por ejemplo, un engranaje en una rueda de cobre tiene partes y fragmentos los cuales dejan de ser algo artificial para nosotros.(…) Pero las máquinas naturales, los cuerpos vivientes, son máquinas hasta en sus partes más pequeñas hasta el infinito. Eso diferencia la naturaleza del artificio.”</a:t>
             </a:r>
           </a:p>
           <a:p>
@@ -5130,7 +5034,6 @@
               <a:rPr lang="es-PE" dirty="0" smtClean="0"/>
               <a:t> para complementar la teoría de las substancias individuales. </a:t>
             </a:r>
-            <a:endParaRPr lang="es-PE" dirty="0" smtClean="0"/>
           </a:p>
           <a:p>
             <a:pPr>
@@ -5223,15 +5126,7 @@
             <a:pPr algn="ctr"/>
             <a:r>
               <a:rPr lang="es-PE" dirty="0" smtClean="0"/>
-              <a:t>“Esta </a:t>
-            </a:r>
-            <a:r>
-              <a:rPr lang="es-PE" dirty="0" smtClean="0"/>
-              <a:t>verdadera monarquía universal, es un mundo moral dentro del mundo natural y es la más noble y divina creación de Dios. Y es en este mundo moral que la gloria verdadera de Dios consiste, desde que no habría tal gloria si la grandeza y bondad de Dios no fueran admiradas por las </a:t>
-            </a:r>
-            <a:r>
-              <a:rPr lang="es-PE" dirty="0" smtClean="0"/>
-              <a:t>mentes”. (</a:t>
+              <a:t>“Esta verdadera monarquía universal, es un mundo moral dentro del mundo natural y es la más noble y divina creación de Dios. Y es en este mundo moral que la gloria verdadera de Dios consiste, desde que no habría tal gloria si la grandeza y bondad de Dios no fueran admiradas por las mentes”. (</a:t>
             </a:r>
             <a:r>
               <a:rPr lang="es-PE" i="1" dirty="0" smtClean="0"/>
@@ -5361,11 +5256,7 @@
             </a:r>
             <a:r>
               <a:rPr lang="es-PE" b="1" i="1" u="sng" dirty="0" smtClean="0"/>
-              <a:t>Discurso de </a:t>
-            </a:r>
-            <a:r>
-              <a:rPr lang="es-PE" b="1" i="1" u="sng" dirty="0" smtClean="0"/>
-              <a:t>Metafísica</a:t>
+              <a:t>Discurso de Metafísica</a:t>
             </a:r>
             <a:endParaRPr lang="es-PE" b="1" u="sng" dirty="0" smtClean="0"/>
           </a:p>
@@ -5425,11 +5316,7 @@
             </a:pPr>
             <a:r>
               <a:rPr lang="es-PE" dirty="0" smtClean="0"/>
-              <a:t> </a:t>
-            </a:r>
-            <a:r>
-              <a:rPr lang="es-PE" dirty="0" smtClean="0"/>
-              <a:t>El punto de partida será el hecho de que no haya nada que no haya estado ordenado. </a:t>
+              <a:t> El punto de partida será el hecho de que no haya nada que no haya estado ordenado. </a:t>
             </a:r>
           </a:p>
           <a:p>
@@ -5469,11 +5356,7 @@
             </a:pPr>
             <a:r>
               <a:rPr lang="es-PE" dirty="0" smtClean="0"/>
-              <a:t> </a:t>
-            </a:r>
-            <a:r>
-              <a:rPr lang="es-PE" dirty="0" smtClean="0"/>
-              <a:t>Leibniz nos advertirá en el ejemplo sobre el problema de los futuros contingentes.</a:t>
+              <a:t> Leibniz nos advertirá en el ejemplo sobre el problema de los futuros contingentes.</a:t>
             </a:r>
           </a:p>
           <a:p>
@@ -5483,11 +5366,7 @@
             </a:pPr>
             <a:r>
               <a:rPr lang="es-PE" dirty="0" smtClean="0"/>
-              <a:t> </a:t>
-            </a:r>
-            <a:r>
-              <a:rPr lang="es-PE" dirty="0" smtClean="0"/>
-              <a:t>La prueba de que no hay necesidad en los hechos supone en que su contrario es posible aunque esté “asegurado”.</a:t>
+              <a:t> La prueba de que no hay necesidad en los hechos supone en que su contrario es posible aunque esté “asegurado”.</a:t>
             </a:r>
           </a:p>
           <a:p>
@@ -5820,37 +5699,8 @@
                   <a:srgbClr val="FF0000"/>
                 </a:solidFill>
               </a:rPr>
-              <a:t> </a:t>
-            </a:r>
-            <a:r>
-              <a:rPr lang="es-PE" dirty="0" smtClean="0">
-                <a:solidFill>
-                  <a:srgbClr val="FF0000"/>
-                </a:solidFill>
-              </a:rPr>
-              <a:t>Craso y Pompeyo han deshecho hace </a:t>
-            </a:r>
-            <a:r>
-              <a:rPr lang="es-PE" dirty="0" smtClean="0">
-                <a:solidFill>
-                  <a:srgbClr val="FF0000"/>
-                </a:solidFill>
-              </a:rPr>
-              <a:t>años </a:t>
-            </a:r>
-            <a:r>
-              <a:rPr lang="es-PE" dirty="0" smtClean="0">
-                <a:solidFill>
-                  <a:srgbClr val="FF0000"/>
-                </a:solidFill>
-              </a:rPr>
-              <a:t>el triunvirato con Julio César; al parecer no tiene aliados</a:t>
-            </a:r>
-            <a:endParaRPr lang="es-PE" dirty="0" smtClean="0">
-              <a:solidFill>
-                <a:srgbClr val="FF0000"/>
-              </a:solidFill>
-            </a:endParaRPr>
+              <a:t> Craso y Pompeyo han deshecho hace años el triunvirato con Julio César; al parecer no tiene aliados</a:t>
+            </a:r>
           </a:p>
           <a:p>
             <a:pPr>
@@ -5877,15 +5727,7 @@
                   <a:srgbClr val="FF0000"/>
                 </a:solidFill>
               </a:rPr>
-              <a:t> </a:t>
-            </a:r>
-            <a:r>
-              <a:rPr lang="es-PE" dirty="0" smtClean="0">
-                <a:solidFill>
-                  <a:srgbClr val="FF0000"/>
-                </a:solidFill>
-              </a:rPr>
-              <a:t>Julio César se ve asediado por muchos frentes, pues además, dentro de pocos años, su inmunidad senatorial expirará oficialmente.</a:t>
+              <a:t> Julio César se ve asediado por muchos frentes, pues además, dentro de pocos años, su inmunidad senatorial expirará oficialmente.</a:t>
             </a:r>
           </a:p>
           <a:p>
@@ -5910,15 +5752,7 @@
                   <a:srgbClr val="FF0000"/>
                 </a:solidFill>
               </a:rPr>
-              <a:t> </a:t>
-            </a:r>
-            <a:r>
-              <a:rPr lang="es-PE" dirty="0" smtClean="0">
-                <a:solidFill>
-                  <a:srgbClr val="FF0000"/>
-                </a:solidFill>
-              </a:rPr>
-              <a:t>En este contexto, busca César cruzar el </a:t>
+              <a:t> En este contexto, busca César cruzar el </a:t>
             </a:r>
             <a:r>
               <a:rPr lang="es-PE" dirty="0" err="1" smtClean="0">
@@ -6882,7 +6716,11 @@
           <a:p>
             <a:r>
               <a:rPr lang="es-PE" dirty="0" smtClean="0"/>
-              <a:t>Capítulo I:	</a:t>
+              <a:t>I</a:t>
+            </a:r>
+            <a:r>
+              <a:rPr lang="es-PE" dirty="0" smtClean="0"/>
+              <a:t>:	</a:t>
             </a:r>
           </a:p>
           <a:p>
@@ -6909,7 +6747,7 @@
         <p:spPr>
           <a:xfrm>
             <a:off x="285720" y="785794"/>
-            <a:ext cx="8358246" cy="6463308"/>
+            <a:ext cx="8358246" cy="5909310"/>
           </a:xfrm>
           <a:prstGeom prst="rect">
             <a:avLst/>
@@ -6924,17 +6762,9 @@
           <a:p>
             <a:r>
               <a:rPr lang="es-PE" dirty="0" smtClean="0"/>
-              <a:t>¿Cómo podemos justificar la  investigación sobre el pensamiento de Leibniz?</a:t>
-            </a:r>
-          </a:p>
-          <a:p>
+              <a:t>Notas preliminares:</a:t>
+            </a:r>
             <a:endParaRPr lang="es-PE" dirty="0" smtClean="0"/>
-          </a:p>
-          <a:p>
-            <a:r>
-              <a:rPr lang="es-PE" dirty="0" smtClean="0"/>
-              <a:t>(Considerando que nos interesa especialmente lo referente al problema de la libertad)</a:t>
-            </a:r>
           </a:p>
           <a:p>
             <a:endParaRPr lang="es-PE" dirty="0"/>
@@ -6966,15 +6796,7 @@
             </a:pPr>
             <a:r>
               <a:rPr lang="es-PE" dirty="0" smtClean="0"/>
-              <a:t>En un sentido cronológico, es interesante notar cómo Leibniz representa un tránsito entre la escolástica y la modernidad.  (Puede a ello sumarse el hecho de que como todo otro pensador moderno, empodere a la </a:t>
-            </a:r>
-            <a:r>
-              <a:rPr lang="es-PE" dirty="0" smtClean="0"/>
-              <a:t>claridad y precisión de la razón </a:t>
-            </a:r>
-            <a:r>
-              <a:rPr lang="es-PE" dirty="0" smtClean="0"/>
-              <a:t>geométrica y demostrativa, pero sin embargo sea de los muy pocos que busca recuperar la tradición Aristotélica, como se puede apreciar en la teoría de la substancia individual).</a:t>
+              <a:t>En un sentido cronológico, es interesante notar cómo Leibniz representa un tránsito entre la escolástica y la modernidad.  (Puede a ello sumarse el hecho de que como todo otro pensador moderno, empodere a la claridad y precisión de la razón geométrica y demostrativa, pero sin embargo sea de los muy pocos que busca recuperar la tradición Aristotélica, como se puede apreciar en la teoría de la substancia individual).</a:t>
             </a:r>
           </a:p>
           <a:p>
@@ -8331,7 +8153,17 @@
                 <a:ea typeface="Calibri" pitchFamily="34" charset="0"/>
                 <a:cs typeface="Times New Roman" pitchFamily="18" charset="0"/>
               </a:rPr>
-              <a:t>“ (…) Desde </a:t>
+              <a:t>“ (…) Desde que Julio C</a:t>
+            </a:r>
+            <a:r>
+              <a:rPr lang="es-PE" sz="1600" dirty="0" smtClean="0">
+                <a:solidFill>
+                  <a:srgbClr val="7030A0"/>
+                </a:solidFill>
+                <a:ea typeface="Calibri" pitchFamily="34" charset="0"/>
+                <a:cs typeface="Times New Roman" pitchFamily="18" charset="0"/>
+              </a:rPr>
+              <a:t>é</a:t>
             </a:r>
             <a:r>
               <a:rPr lang="es-PE" sz="1600" dirty="0" smtClean="0">
@@ -8342,7 +8174,7 @@
                 <a:ea typeface="Calibri" pitchFamily="34" charset="0"/>
                 <a:cs typeface="Times New Roman" pitchFamily="18" charset="0"/>
               </a:rPr>
-              <a:t>que Julio C</a:t>
+              <a:t>sar ha de convertirse en el dictador permanente y maestro de la Rep</a:t>
             </a:r>
             <a:r>
               <a:rPr lang="es-PE" sz="1600" dirty="0" smtClean="0">
@@ -8352,7 +8184,7 @@
                 <a:ea typeface="Calibri" pitchFamily="34" charset="0"/>
                 <a:cs typeface="Times New Roman" pitchFamily="18" charset="0"/>
               </a:rPr>
-              <a:t>é</a:t>
+              <a:t>ú</a:t>
             </a:r>
             <a:r>
               <a:rPr lang="es-PE" sz="1600" dirty="0" smtClean="0">
@@ -8363,7 +8195,7 @@
                 <a:ea typeface="Calibri" pitchFamily="34" charset="0"/>
                 <a:cs typeface="Times New Roman" pitchFamily="18" charset="0"/>
               </a:rPr>
-              <a:t>sar ha de convertirse en el dictador permanente y maestro de la Rep</a:t>
+              <a:t>blica, y ha de derrocar la libertad de los romanos, estas acciones est</a:t>
             </a:r>
             <a:r>
               <a:rPr lang="es-PE" sz="1600" dirty="0" smtClean="0">
@@ -8373,7 +8205,7 @@
                 <a:ea typeface="Calibri" pitchFamily="34" charset="0"/>
                 <a:cs typeface="Times New Roman" pitchFamily="18" charset="0"/>
               </a:rPr>
-              <a:t>ú</a:t>
+              <a:t>á</a:t>
             </a:r>
             <a:r>
               <a:rPr lang="es-PE" sz="1600" dirty="0" smtClean="0">
@@ -8384,7 +8216,7 @@
                 <a:ea typeface="Calibri" pitchFamily="34" charset="0"/>
                 <a:cs typeface="Times New Roman" pitchFamily="18" charset="0"/>
               </a:rPr>
-              <a:t>blica, y ha de derrocar la libertad de los romanos, estas acciones est</a:t>
+              <a:t>n comprendidas en su noci</a:t>
             </a:r>
             <a:r>
               <a:rPr lang="es-PE" sz="1600" dirty="0" smtClean="0">
@@ -8394,7 +8226,7 @@
                 <a:ea typeface="Calibri" pitchFamily="34" charset="0"/>
                 <a:cs typeface="Times New Roman" pitchFamily="18" charset="0"/>
               </a:rPr>
-              <a:t>á</a:t>
+              <a:t>ó</a:t>
             </a:r>
             <a:r>
               <a:rPr lang="es-PE" sz="1600" dirty="0" smtClean="0">
@@ -8405,7 +8237,7 @@
                 <a:ea typeface="Calibri" pitchFamily="34" charset="0"/>
                 <a:cs typeface="Times New Roman" pitchFamily="18" charset="0"/>
               </a:rPr>
-              <a:t>n comprendidas en su noci</a:t>
+              <a:t>n completa o perfecta; debido a que estamos asumiendo que la naturaleza de tal noci</a:t>
             </a:r>
             <a:r>
               <a:rPr lang="es-PE" sz="1600" dirty="0" smtClean="0">
@@ -8426,7 +8258,7 @@
                 <a:ea typeface="Calibri" pitchFamily="34" charset="0"/>
                 <a:cs typeface="Times New Roman" pitchFamily="18" charset="0"/>
               </a:rPr>
-              <a:t>n completa o perfecta; debido a que estamos asumiendo que la naturaleza de tal noci</a:t>
+              <a:t>n de un sujeto incluye todo, de modo que el predicado pueda ser contenido en el sujeto. Podr</a:t>
             </a:r>
             <a:r>
               <a:rPr lang="es-PE" sz="1600" dirty="0" smtClean="0">
@@ -8436,7 +8268,7 @@
                 <a:ea typeface="Calibri" pitchFamily="34" charset="0"/>
                 <a:cs typeface="Times New Roman" pitchFamily="18" charset="0"/>
               </a:rPr>
-              <a:t>ó</a:t>
+              <a:t>í</a:t>
             </a:r>
             <a:r>
               <a:rPr lang="es-PE" sz="1600" dirty="0" smtClean="0">
@@ -8447,7 +8279,7 @@
                 <a:ea typeface="Calibri" pitchFamily="34" charset="0"/>
                 <a:cs typeface="Times New Roman" pitchFamily="18" charset="0"/>
               </a:rPr>
-              <a:t>n de un sujeto incluye todo, de modo que el predicado pueda ser contenido en el sujeto. Podr</a:t>
+              <a:t>a ponerse del siguiente modo, no es debido a la noci</a:t>
             </a:r>
             <a:r>
               <a:rPr lang="es-PE" sz="1600" dirty="0" smtClean="0">
@@ -8457,7 +8289,7 @@
                 <a:ea typeface="Calibri" pitchFamily="34" charset="0"/>
                 <a:cs typeface="Times New Roman" pitchFamily="18" charset="0"/>
               </a:rPr>
-              <a:t>í</a:t>
+              <a:t>ó</a:t>
             </a:r>
             <a:r>
               <a:rPr lang="es-PE" sz="1600" dirty="0" smtClean="0">
@@ -8468,7 +8300,7 @@
                 <a:ea typeface="Calibri" pitchFamily="34" charset="0"/>
                 <a:cs typeface="Times New Roman" pitchFamily="18" charset="0"/>
               </a:rPr>
-              <a:t>a ponerse del siguiente modo, no es debido a la noci</a:t>
+              <a:t>n o idea que C</a:t>
             </a:r>
             <a:r>
               <a:rPr lang="es-PE" sz="1600" dirty="0" smtClean="0">
@@ -8478,7 +8310,7 @@
                 <a:ea typeface="Calibri" pitchFamily="34" charset="0"/>
                 <a:cs typeface="Times New Roman" pitchFamily="18" charset="0"/>
               </a:rPr>
-              <a:t>ó</a:t>
+              <a:t>é</a:t>
             </a:r>
             <a:r>
               <a:rPr lang="es-PE" sz="1600" dirty="0" smtClean="0">
@@ -8489,7 +8321,7 @@
                 <a:ea typeface="Calibri" pitchFamily="34" charset="0"/>
                 <a:cs typeface="Times New Roman" pitchFamily="18" charset="0"/>
               </a:rPr>
-              <a:t>n o idea que C</a:t>
+              <a:t>sar habr</a:t>
             </a:r>
             <a:r>
               <a:rPr lang="es-PE" sz="1600" dirty="0" smtClean="0">
@@ -8499,7 +8331,7 @@
                 <a:ea typeface="Calibri" pitchFamily="34" charset="0"/>
                 <a:cs typeface="Times New Roman" pitchFamily="18" charset="0"/>
               </a:rPr>
-              <a:t>é</a:t>
+              <a:t>á</a:t>
             </a:r>
             <a:r>
               <a:rPr lang="es-PE" sz="1600" dirty="0" smtClean="0">
@@ -8510,7 +8342,7 @@
                 <a:ea typeface="Calibri" pitchFamily="34" charset="0"/>
                 <a:cs typeface="Times New Roman" pitchFamily="18" charset="0"/>
               </a:rPr>
-              <a:t>sar habr</a:t>
+              <a:t> de realizar la acci</a:t>
             </a:r>
             <a:r>
               <a:rPr lang="es-PE" sz="1600" dirty="0" smtClean="0">
@@ -8520,7 +8352,7 @@
                 <a:ea typeface="Calibri" pitchFamily="34" charset="0"/>
                 <a:cs typeface="Times New Roman" pitchFamily="18" charset="0"/>
               </a:rPr>
-              <a:t>á</a:t>
+              <a:t>ó</a:t>
             </a:r>
             <a:r>
               <a:rPr lang="es-PE" sz="1600" dirty="0" smtClean="0">
@@ -8531,7 +8363,7 @@
                 <a:ea typeface="Calibri" pitchFamily="34" charset="0"/>
                 <a:cs typeface="Times New Roman" pitchFamily="18" charset="0"/>
               </a:rPr>
-              <a:t> de realizar la acci</a:t>
+              <a:t>n, ya que tal noci</a:t>
             </a:r>
             <a:r>
               <a:rPr lang="es-PE" sz="1600" dirty="0" smtClean="0">
@@ -8552,7 +8384,7 @@
                 <a:ea typeface="Calibri" pitchFamily="34" charset="0"/>
                 <a:cs typeface="Times New Roman" pitchFamily="18" charset="0"/>
               </a:rPr>
-              <a:t>n, ya que tal noci</a:t>
+              <a:t>n se adjudica a </a:t>
             </a:r>
             <a:r>
               <a:rPr lang="es-PE" sz="1600" dirty="0" smtClean="0">
@@ -8562,7 +8394,7 @@
                 <a:ea typeface="Calibri" pitchFamily="34" charset="0"/>
                 <a:cs typeface="Times New Roman" pitchFamily="18" charset="0"/>
               </a:rPr>
-              <a:t>ó</a:t>
+              <a:t>é</a:t>
             </a:r>
             <a:r>
               <a:rPr lang="es-PE" sz="1600" dirty="0" smtClean="0">
@@ -8573,39 +8405,7 @@
                 <a:ea typeface="Calibri" pitchFamily="34" charset="0"/>
                 <a:cs typeface="Times New Roman" pitchFamily="18" charset="0"/>
               </a:rPr>
-              <a:t>n se adjudica a </a:t>
-            </a:r>
-            <a:r>
-              <a:rPr lang="es-PE" sz="1600" dirty="0" smtClean="0">
-                <a:solidFill>
-                  <a:srgbClr val="7030A0"/>
-                </a:solidFill>
-                <a:ea typeface="Calibri" pitchFamily="34" charset="0"/>
-                <a:cs typeface="Times New Roman" pitchFamily="18" charset="0"/>
-              </a:rPr>
-              <a:t>é</a:t>
-            </a:r>
-            <a:r>
-              <a:rPr lang="es-PE" sz="1600" dirty="0" smtClean="0">
-                <a:solidFill>
-                  <a:srgbClr val="7030A0"/>
-                </a:solidFill>
-                <a:latin typeface="Times New Roman" pitchFamily="18" charset="0"/>
-                <a:ea typeface="Calibri" pitchFamily="34" charset="0"/>
-                <a:cs typeface="Times New Roman" pitchFamily="18" charset="0"/>
-              </a:rPr>
-              <a:t>l solamente porque Dios conoce todo</a:t>
-            </a:r>
-            <a:r>
-              <a:rPr lang="es-PE" sz="1600" dirty="0" smtClean="0">
-                <a:solidFill>
-                  <a:srgbClr val="7030A0"/>
-                </a:solidFill>
-                <a:latin typeface="Times New Roman" pitchFamily="18" charset="0"/>
-                <a:ea typeface="Calibri" pitchFamily="34" charset="0"/>
-                <a:cs typeface="Times New Roman" pitchFamily="18" charset="0"/>
-              </a:rPr>
-              <a:t>. (…)</a:t>
+              <a:t>l solamente porque Dios conoce todo. (…)</a:t>
             </a:r>
             <a:endParaRPr lang="es-PE" sz="1200" dirty="0" smtClean="0">
               <a:solidFill>
@@ -8759,27 +8559,8 @@
                 <a:ea typeface="Calibri" pitchFamily="34" charset="0"/>
                 <a:cs typeface="Times New Roman" pitchFamily="18" charset="0"/>
               </a:rPr>
-              <a:t> </a:t>
-            </a:r>
-            <a:r>
-              <a:rPr lang="es-PE" sz="1600" dirty="0" smtClean="0">
-                <a:solidFill>
-                  <a:srgbClr val="7030A0"/>
-                </a:solidFill>
-                <a:latin typeface="Times New Roman" pitchFamily="18" charset="0"/>
-                <a:ea typeface="Calibri" pitchFamily="34" charset="0"/>
-                <a:cs typeface="Times New Roman" pitchFamily="18" charset="0"/>
-              </a:rPr>
-              <a:t>mismo, (…). </a:t>
-            </a:r>
-            <a:endParaRPr lang="es-PE" sz="1600" dirty="0" smtClean="0">
-              <a:solidFill>
-                <a:srgbClr val="7030A0"/>
-              </a:solidFill>
-              <a:latin typeface="Times New Roman" pitchFamily="18" charset="0"/>
-              <a:ea typeface="Calibri" pitchFamily="34" charset="0"/>
-              <a:cs typeface="Times New Roman" pitchFamily="18" charset="0"/>
-            </a:endParaRPr>
+              <a:t> mismo, (…). </a:t>
+            </a:r>
           </a:p>
           <a:p>
             <a:pPr lvl="0" indent="449263" eaLnBrk="0" fontAlgn="base" hangingPunct="0">
@@ -8799,7 +8580,17 @@
                 <a:ea typeface="Calibri" pitchFamily="34" charset="0"/>
                 <a:cs typeface="Times New Roman" pitchFamily="18" charset="0"/>
               </a:rPr>
-              <a:t>Porque </a:t>
+              <a:t>Porque si fueras capaz de recorrer a trav</a:t>
+            </a:r>
+            <a:r>
+              <a:rPr lang="es-PE" sz="1600" dirty="0" smtClean="0">
+                <a:solidFill>
+                  <a:srgbClr val="7030A0"/>
+                </a:solidFill>
+                <a:ea typeface="Calibri" pitchFamily="34" charset="0"/>
+                <a:cs typeface="Times New Roman" pitchFamily="18" charset="0"/>
+              </a:rPr>
+              <a:t>é</a:t>
             </a:r>
             <a:r>
               <a:rPr lang="es-PE" sz="1600" dirty="0" smtClean="0">
@@ -8810,7 +8601,7 @@
                 <a:ea typeface="Calibri" pitchFamily="34" charset="0"/>
                 <a:cs typeface="Times New Roman" pitchFamily="18" charset="0"/>
               </a:rPr>
-              <a:t>si fueras capaz de recorrer a trav</a:t>
+              <a:t>s de la completa demostraci</a:t>
             </a:r>
             <a:r>
               <a:rPr lang="es-PE" sz="1600" dirty="0" smtClean="0">
@@ -8820,7 +8611,7 @@
                 <a:ea typeface="Calibri" pitchFamily="34" charset="0"/>
                 <a:cs typeface="Times New Roman" pitchFamily="18" charset="0"/>
               </a:rPr>
-              <a:t>é</a:t>
+              <a:t>ó</a:t>
             </a:r>
             <a:r>
               <a:rPr lang="es-PE" sz="1600" dirty="0" smtClean="0">
@@ -8831,7 +8622,7 @@
                 <a:ea typeface="Calibri" pitchFamily="34" charset="0"/>
                 <a:cs typeface="Times New Roman" pitchFamily="18" charset="0"/>
               </a:rPr>
-              <a:t>s de la completa demostraci</a:t>
+              <a:t>n probando que este sujeto, (C</a:t>
             </a:r>
             <a:r>
               <a:rPr lang="es-PE" sz="1600" dirty="0" smtClean="0">
@@ -8841,7 +8632,7 @@
                 <a:ea typeface="Calibri" pitchFamily="34" charset="0"/>
                 <a:cs typeface="Times New Roman" pitchFamily="18" charset="0"/>
               </a:rPr>
-              <a:t>ó</a:t>
+              <a:t>é</a:t>
             </a:r>
             <a:r>
               <a:rPr lang="es-PE" sz="1600" dirty="0" smtClean="0">
@@ -8852,7 +8643,7 @@
                 <a:ea typeface="Calibri" pitchFamily="34" charset="0"/>
                 <a:cs typeface="Times New Roman" pitchFamily="18" charset="0"/>
               </a:rPr>
-              <a:t>n probando que este sujeto, (C</a:t>
+              <a:t>sar), est</a:t>
             </a:r>
             <a:r>
               <a:rPr lang="es-PE" sz="1600" dirty="0" smtClean="0">
@@ -8862,7 +8653,7 @@
                 <a:ea typeface="Calibri" pitchFamily="34" charset="0"/>
                 <a:cs typeface="Times New Roman" pitchFamily="18" charset="0"/>
               </a:rPr>
-              <a:t>é</a:t>
+              <a:t>á</a:t>
             </a:r>
             <a:r>
               <a:rPr lang="es-PE" sz="1600" dirty="0" smtClean="0">
@@ -8873,7 +8664,7 @@
                 <a:ea typeface="Calibri" pitchFamily="34" charset="0"/>
                 <a:cs typeface="Times New Roman" pitchFamily="18" charset="0"/>
               </a:rPr>
-              <a:t>sar), est</a:t>
+              <a:t> conectado con su predicado, (su empresa de obtenci</a:t>
             </a:r>
             <a:r>
               <a:rPr lang="es-PE" sz="1600" dirty="0" smtClean="0">
@@ -8883,7 +8674,7 @@
                 <a:ea typeface="Calibri" pitchFamily="34" charset="0"/>
                 <a:cs typeface="Times New Roman" pitchFamily="18" charset="0"/>
               </a:rPr>
-              <a:t>á</a:t>
+              <a:t>ó</a:t>
             </a:r>
             <a:r>
               <a:rPr lang="es-PE" sz="1600" dirty="0" smtClean="0">
@@ -8894,7 +8685,7 @@
                 <a:ea typeface="Calibri" pitchFamily="34" charset="0"/>
                 <a:cs typeface="Times New Roman" pitchFamily="18" charset="0"/>
               </a:rPr>
-              <a:t> conectado con su predicado, (su empresa de obtenci</a:t>
+              <a:t>n de poder exitosa), esto involucrar</a:t>
             </a:r>
             <a:r>
               <a:rPr lang="es-PE" sz="1600" dirty="0" smtClean="0">
@@ -8904,7 +8695,7 @@
                 <a:ea typeface="Calibri" pitchFamily="34" charset="0"/>
                 <a:cs typeface="Times New Roman" pitchFamily="18" charset="0"/>
               </a:rPr>
-              <a:t>ó</a:t>
+              <a:t>í</a:t>
             </a:r>
             <a:r>
               <a:rPr lang="es-PE" sz="1600" dirty="0" smtClean="0">
@@ -8915,7 +8706,7 @@
                 <a:ea typeface="Calibri" pitchFamily="34" charset="0"/>
                 <a:cs typeface="Times New Roman" pitchFamily="18" charset="0"/>
               </a:rPr>
-              <a:t>n de poder exitosa), esto involucrar</a:t>
+              <a:t>a mostrar que la dictadura de C</a:t>
             </a:r>
             <a:r>
               <a:rPr lang="es-PE" sz="1600" dirty="0" smtClean="0">
@@ -8925,7 +8716,7 @@
                 <a:ea typeface="Calibri" pitchFamily="34" charset="0"/>
                 <a:cs typeface="Times New Roman" pitchFamily="18" charset="0"/>
               </a:rPr>
-              <a:t>í</a:t>
+              <a:t>é</a:t>
             </a:r>
             <a:r>
               <a:rPr lang="es-PE" sz="1600" dirty="0" smtClean="0">
@@ -8936,7 +8727,7 @@
                 <a:ea typeface="Calibri" pitchFamily="34" charset="0"/>
                 <a:cs typeface="Times New Roman" pitchFamily="18" charset="0"/>
               </a:rPr>
-              <a:t>a mostrar que la dictadura de C</a:t>
+              <a:t>sar ten</a:t>
             </a:r>
             <a:r>
               <a:rPr lang="es-PE" sz="1600" dirty="0" smtClean="0">
@@ -8946,7 +8737,7 @@
                 <a:ea typeface="Calibri" pitchFamily="34" charset="0"/>
                 <a:cs typeface="Times New Roman" pitchFamily="18" charset="0"/>
               </a:rPr>
-              <a:t>é</a:t>
+              <a:t>í</a:t>
             </a:r>
             <a:r>
               <a:rPr lang="es-PE" sz="1600" dirty="0" smtClean="0">
@@ -8957,7 +8748,7 @@
                 <a:ea typeface="Calibri" pitchFamily="34" charset="0"/>
                 <a:cs typeface="Times New Roman" pitchFamily="18" charset="0"/>
               </a:rPr>
-              <a:t>sar ten</a:t>
+              <a:t>a su fundamento en su noci</a:t>
             </a:r>
             <a:r>
               <a:rPr lang="es-PE" sz="1600" dirty="0" smtClean="0">
@@ -8967,7 +8758,7 @@
                 <a:ea typeface="Calibri" pitchFamily="34" charset="0"/>
                 <a:cs typeface="Times New Roman" pitchFamily="18" charset="0"/>
               </a:rPr>
-              <a:t>í</a:t>
+              <a:t>ó</a:t>
             </a:r>
             <a:r>
               <a:rPr lang="es-PE" sz="1600" dirty="0" smtClean="0">
@@ -8978,7 +8769,7 @@
                 <a:ea typeface="Calibri" pitchFamily="34" charset="0"/>
                 <a:cs typeface="Times New Roman" pitchFamily="18" charset="0"/>
               </a:rPr>
-              <a:t>a su fundamento en su noci</a:t>
+              <a:t>n o naturaleza, que una raz</a:t>
             </a:r>
             <a:r>
               <a:rPr lang="es-PE" sz="1600" dirty="0" smtClean="0">
@@ -8999,7 +8790,7 @@
                 <a:ea typeface="Calibri" pitchFamily="34" charset="0"/>
                 <a:cs typeface="Times New Roman" pitchFamily="18" charset="0"/>
               </a:rPr>
-              <a:t>n o naturaleza, que una raz</a:t>
+              <a:t>n pod</a:t>
             </a:r>
             <a:r>
               <a:rPr lang="es-PE" sz="1600" dirty="0" smtClean="0">
@@ -9009,7 +8800,7 @@
                 <a:ea typeface="Calibri" pitchFamily="34" charset="0"/>
                 <a:cs typeface="Times New Roman" pitchFamily="18" charset="0"/>
               </a:rPr>
-              <a:t>ó</a:t>
+              <a:t>í</a:t>
             </a:r>
             <a:r>
               <a:rPr lang="es-PE" sz="1600" dirty="0" smtClean="0">
@@ -9020,7 +8811,7 @@
                 <a:ea typeface="Calibri" pitchFamily="34" charset="0"/>
                 <a:cs typeface="Times New Roman" pitchFamily="18" charset="0"/>
               </a:rPr>
-              <a:t>n pod</a:t>
+              <a:t>a encontrarse ah</a:t>
             </a:r>
             <a:r>
               <a:rPr lang="es-PE" sz="1600" dirty="0" smtClean="0">
@@ -9041,7 +8832,7 @@
                 <a:ea typeface="Calibri" pitchFamily="34" charset="0"/>
                 <a:cs typeface="Times New Roman" pitchFamily="18" charset="0"/>
               </a:rPr>
-              <a:t>a encontrarse ah</a:t>
+              <a:t>, en tal naturaleza o noci</a:t>
             </a:r>
             <a:r>
               <a:rPr lang="es-PE" sz="1600" dirty="0" smtClean="0">
@@ -9051,7 +8842,7 @@
                 <a:ea typeface="Calibri" pitchFamily="34" charset="0"/>
                 <a:cs typeface="Times New Roman" pitchFamily="18" charset="0"/>
               </a:rPr>
-              <a:t>í</a:t>
+              <a:t>ó</a:t>
             </a:r>
             <a:r>
               <a:rPr lang="es-PE" sz="1600" dirty="0" smtClean="0">
@@ -9062,20 +8853,10 @@
                 <a:ea typeface="Calibri" pitchFamily="34" charset="0"/>
                 <a:cs typeface="Times New Roman" pitchFamily="18" charset="0"/>
               </a:rPr>
-              <a:t>, en tal naturaleza o noci</a:t>
-            </a:r>
-            <a:r>
-              <a:rPr lang="es-PE" sz="1600" dirty="0" smtClean="0">
-                <a:solidFill>
-                  <a:srgbClr val="7030A0"/>
-                </a:solidFill>
-                <a:ea typeface="Calibri" pitchFamily="34" charset="0"/>
-                <a:cs typeface="Times New Roman" pitchFamily="18" charset="0"/>
-              </a:rPr>
-              <a:t>ó</a:t>
-            </a:r>
-            <a:r>
-              <a:rPr lang="es-PE" sz="1600" dirty="0" smtClean="0">
+              <a:t>n, para que decida a cruzar el </a:t>
+            </a:r>
+            <a:r>
+              <a:rPr lang="es-PE" sz="1600" dirty="0" err="1" smtClean="0">
                 <a:solidFill>
                   <a:srgbClr val="7030A0"/>
                 </a:solidFill>
@@ -9083,7 +8864,17 @@
                 <a:ea typeface="Calibri" pitchFamily="34" charset="0"/>
                 <a:cs typeface="Times New Roman" pitchFamily="18" charset="0"/>
               </a:rPr>
-              <a:t>n, para que decida a cruzar el </a:t>
+              <a:t>Rubic</a:t>
+            </a:r>
+            <a:r>
+              <a:rPr lang="es-PE" sz="1600" dirty="0" err="1" smtClean="0">
+                <a:solidFill>
+                  <a:srgbClr val="7030A0"/>
+                </a:solidFill>
+                <a:ea typeface="Calibri" pitchFamily="34" charset="0"/>
+                <a:cs typeface="Times New Roman" pitchFamily="18" charset="0"/>
+              </a:rPr>
+              <a:t>ó</a:t>
             </a:r>
             <a:r>
               <a:rPr lang="es-PE" sz="1600" dirty="0" err="1" smtClean="0">
@@ -9094,20 +8885,10 @@
                 <a:ea typeface="Calibri" pitchFamily="34" charset="0"/>
                 <a:cs typeface="Times New Roman" pitchFamily="18" charset="0"/>
               </a:rPr>
-              <a:t>Rubic</a:t>
-            </a:r>
-            <a:r>
-              <a:rPr lang="es-PE" sz="1600" dirty="0" err="1" smtClean="0">
-                <a:solidFill>
-                  <a:srgbClr val="7030A0"/>
-                </a:solidFill>
-                <a:ea typeface="Calibri" pitchFamily="34" charset="0"/>
-                <a:cs typeface="Times New Roman" pitchFamily="18" charset="0"/>
-              </a:rPr>
-              <a:t>ó</a:t>
-            </a:r>
-            <a:r>
-              <a:rPr lang="es-PE" sz="1600" dirty="0" err="1" smtClean="0">
+              <a:t>n</a:t>
+            </a:r>
+            <a:r>
+              <a:rPr lang="es-PE" sz="1600" dirty="0" smtClean="0">
                 <a:solidFill>
                   <a:srgbClr val="7030A0"/>
                 </a:solidFill>
@@ -9115,7 +8896,17 @@
                 <a:ea typeface="Calibri" pitchFamily="34" charset="0"/>
                 <a:cs typeface="Times New Roman" pitchFamily="18" charset="0"/>
               </a:rPr>
-              <a:t>n</a:t>
+              <a:t> en lugar de detenerse, y porqu</a:t>
+            </a:r>
+            <a:r>
+              <a:rPr lang="es-PE" sz="1600" dirty="0" smtClean="0">
+                <a:solidFill>
+                  <a:srgbClr val="7030A0"/>
+                </a:solidFill>
+                <a:ea typeface="Calibri" pitchFamily="34" charset="0"/>
+                <a:cs typeface="Times New Roman" pitchFamily="18" charset="0"/>
+              </a:rPr>
+              <a:t>é</a:t>
             </a:r>
             <a:r>
               <a:rPr lang="es-PE" sz="1600" dirty="0" smtClean="0">
@@ -9126,7 +8917,7 @@
                 <a:ea typeface="Calibri" pitchFamily="34" charset="0"/>
                 <a:cs typeface="Times New Roman" pitchFamily="18" charset="0"/>
               </a:rPr>
-              <a:t> en lugar de detenerse, y porqu</a:t>
+              <a:t> gan</a:t>
             </a:r>
             <a:r>
               <a:rPr lang="es-PE" sz="1600" dirty="0" smtClean="0">
@@ -9136,7 +8927,7 @@
                 <a:ea typeface="Calibri" pitchFamily="34" charset="0"/>
                 <a:cs typeface="Times New Roman" pitchFamily="18" charset="0"/>
               </a:rPr>
-              <a:t>é</a:t>
+              <a:t>ó</a:t>
             </a:r>
             <a:r>
               <a:rPr lang="es-PE" sz="1600" dirty="0" smtClean="0">
@@ -9147,7 +8938,7 @@
                 <a:ea typeface="Calibri" pitchFamily="34" charset="0"/>
                 <a:cs typeface="Times New Roman" pitchFamily="18" charset="0"/>
               </a:rPr>
-              <a:t> gan</a:t>
+              <a:t> en vez de perder el d</a:t>
             </a:r>
             <a:r>
               <a:rPr lang="es-PE" sz="1600" dirty="0" smtClean="0">
@@ -9157,7 +8948,7 @@
                 <a:ea typeface="Calibri" pitchFamily="34" charset="0"/>
                 <a:cs typeface="Times New Roman" pitchFamily="18" charset="0"/>
               </a:rPr>
-              <a:t>ó</a:t>
+              <a:t>í</a:t>
             </a:r>
             <a:r>
               <a:rPr lang="es-PE" sz="1600" dirty="0" smtClean="0">
@@ -9168,20 +8959,10 @@
                 <a:ea typeface="Calibri" pitchFamily="34" charset="0"/>
                 <a:cs typeface="Times New Roman" pitchFamily="18" charset="0"/>
               </a:rPr>
-              <a:t> en vez de perder el d</a:t>
-            </a:r>
-            <a:r>
-              <a:rPr lang="es-PE" sz="1600" dirty="0" smtClean="0">
-                <a:solidFill>
-                  <a:srgbClr val="7030A0"/>
-                </a:solidFill>
-                <a:ea typeface="Calibri" pitchFamily="34" charset="0"/>
-                <a:cs typeface="Times New Roman" pitchFamily="18" charset="0"/>
-              </a:rPr>
-              <a:t>í</a:t>
-            </a:r>
-            <a:r>
-              <a:rPr lang="es-PE" sz="1600" dirty="0" smtClean="0">
+              <a:t>a en la batalla de </a:t>
+            </a:r>
+            <a:r>
+              <a:rPr lang="es-PE" sz="1600" dirty="0" err="1" smtClean="0">
                 <a:solidFill>
                   <a:srgbClr val="7030A0"/>
                 </a:solidFill>
@@ -9189,10 +8970,10 @@
                 <a:ea typeface="Calibri" pitchFamily="34" charset="0"/>
                 <a:cs typeface="Times New Roman" pitchFamily="18" charset="0"/>
               </a:rPr>
-              <a:t>a en la batalla de </a:t>
-            </a:r>
-            <a:r>
-              <a:rPr lang="es-PE" sz="1600" dirty="0" err="1" smtClean="0">
+              <a:t>Farsalia</a:t>
+            </a:r>
+            <a:r>
+              <a:rPr lang="es-PE" sz="1600" dirty="0" smtClean="0">
                 <a:solidFill>
                   <a:srgbClr val="7030A0"/>
                 </a:solidFill>
@@ -9200,7 +8981,17 @@
                 <a:ea typeface="Calibri" pitchFamily="34" charset="0"/>
                 <a:cs typeface="Times New Roman" pitchFamily="18" charset="0"/>
               </a:rPr>
-              <a:t>Farsalia</a:t>
+              <a:t>. Descubrir</a:t>
+            </a:r>
+            <a:r>
+              <a:rPr lang="es-PE" sz="1600" dirty="0" smtClean="0">
+                <a:solidFill>
+                  <a:srgbClr val="7030A0"/>
+                </a:solidFill>
+                <a:ea typeface="Calibri" pitchFamily="34" charset="0"/>
+                <a:cs typeface="Times New Roman" pitchFamily="18" charset="0"/>
+              </a:rPr>
+              <a:t>í</a:t>
             </a:r>
             <a:r>
               <a:rPr lang="es-PE" sz="1600" dirty="0" smtClean="0">
@@ -9211,7 +9002,7 @@
                 <a:ea typeface="Calibri" pitchFamily="34" charset="0"/>
                 <a:cs typeface="Times New Roman" pitchFamily="18" charset="0"/>
               </a:rPr>
-              <a:t>. Descubrir</a:t>
+              <a:t>as  que es racional y por tanto asegurado que esto suceder</a:t>
             </a:r>
             <a:r>
               <a:rPr lang="es-PE" sz="1600" dirty="0" smtClean="0">
@@ -9232,7 +9023,7 @@
                 <a:ea typeface="Calibri" pitchFamily="34" charset="0"/>
                 <a:cs typeface="Times New Roman" pitchFamily="18" charset="0"/>
               </a:rPr>
-              <a:t>as  que es racional y por tanto asegurado que esto suceder</a:t>
+              <a:t>a, pero eso no es necesario en s</a:t>
             </a:r>
             <a:r>
               <a:rPr lang="es-PE" sz="1600" dirty="0" smtClean="0">
@@ -9253,7 +9044,7 @@
                 <a:ea typeface="Calibri" pitchFamily="34" charset="0"/>
                 <a:cs typeface="Times New Roman" pitchFamily="18" charset="0"/>
               </a:rPr>
-              <a:t>a, pero eso no es necesario en s</a:t>
+              <a:t> mismo, o que lo contrario implique una contradicci</a:t>
             </a:r>
             <a:r>
               <a:rPr lang="es-PE" sz="1600" dirty="0" smtClean="0">
@@ -9263,7 +9054,7 @@
                 <a:ea typeface="Calibri" pitchFamily="34" charset="0"/>
                 <a:cs typeface="Times New Roman" pitchFamily="18" charset="0"/>
               </a:rPr>
-              <a:t>í</a:t>
+              <a:t>ó</a:t>
             </a:r>
             <a:r>
               <a:rPr lang="es-PE" sz="1600" dirty="0" smtClean="0">
@@ -9274,39 +9065,7 @@
                 <a:ea typeface="Calibri" pitchFamily="34" charset="0"/>
                 <a:cs typeface="Times New Roman" pitchFamily="18" charset="0"/>
               </a:rPr>
-              <a:t> mismo, o que lo contrario implique una contradicci</a:t>
-            </a:r>
-            <a:r>
-              <a:rPr lang="es-PE" sz="1600" dirty="0" smtClean="0">
-                <a:solidFill>
-                  <a:srgbClr val="7030A0"/>
-                </a:solidFill>
-                <a:ea typeface="Calibri" pitchFamily="34" charset="0"/>
-                <a:cs typeface="Times New Roman" pitchFamily="18" charset="0"/>
-              </a:rPr>
-              <a:t>ó</a:t>
-            </a:r>
-            <a:r>
-              <a:rPr lang="es-PE" sz="1600" dirty="0" smtClean="0">
-                <a:solidFill>
-                  <a:srgbClr val="7030A0"/>
-                </a:solidFill>
-                <a:latin typeface="Times New Roman" pitchFamily="18" charset="0"/>
-                <a:ea typeface="Calibri" pitchFamily="34" charset="0"/>
-                <a:cs typeface="Times New Roman" pitchFamily="18" charset="0"/>
-              </a:rPr>
-              <a:t>n</a:t>
-            </a:r>
-            <a:r>
-              <a:rPr lang="es-PE" sz="1600" dirty="0" smtClean="0">
-                <a:solidFill>
-                  <a:srgbClr val="7030A0"/>
-                </a:solidFill>
-                <a:latin typeface="Times New Roman" pitchFamily="18" charset="0"/>
-                <a:ea typeface="Calibri" pitchFamily="34" charset="0"/>
-                <a:cs typeface="Times New Roman" pitchFamily="18" charset="0"/>
-              </a:rPr>
-              <a:t>.”</a:t>
+              <a:t>n.”</a:t>
             </a:r>
           </a:p>
           <a:p>
@@ -9927,18 +9686,7 @@
                 <a:ea typeface="Calibri" pitchFamily="34" charset="0"/>
                 <a:cs typeface="Times New Roman" pitchFamily="18" charset="0"/>
               </a:rPr>
-              <a:t>n, no por su imposibilidad, la cual no existe</a:t>
-            </a:r>
-            <a:r>
-              <a:rPr lang="es-PE" sz="1600" dirty="0" smtClean="0">
-                <a:solidFill>
-                  <a:srgbClr val="7030A0"/>
-                </a:solidFill>
-                <a:latin typeface="Times New Roman" pitchFamily="18" charset="0"/>
-                <a:ea typeface="Calibri" pitchFamily="34" charset="0"/>
-                <a:cs typeface="Times New Roman" pitchFamily="18" charset="0"/>
-              </a:rPr>
-              <a:t>.</a:t>
+              <a:t>n, no por su imposibilidad, la cual no existe.</a:t>
             </a:r>
           </a:p>
           <a:p>
@@ -9959,18 +9707,7 @@
                 <a:ea typeface="Calibri" pitchFamily="34" charset="0"/>
                 <a:cs typeface="Times New Roman" pitchFamily="18" charset="0"/>
               </a:rPr>
-              <a:t> (…) </a:t>
-            </a:r>
-            <a:r>
-              <a:rPr lang="es-PE" sz="1600" dirty="0" smtClean="0">
-                <a:solidFill>
-                  <a:srgbClr val="7030A0"/>
-                </a:solidFill>
-                <a:latin typeface="Times New Roman" pitchFamily="18" charset="0"/>
-                <a:ea typeface="Calibri" pitchFamily="34" charset="0"/>
-                <a:cs typeface="Times New Roman" pitchFamily="18" charset="0"/>
-              </a:rPr>
-              <a:t>Todo lo que necesitamos es considerar que cada una de las proposiciones contingentes tienen razones para ser lo que son, en lugar de otra cosa, o, (para poner lo mismo en otras palabras), que hay una raz</a:t>
+              <a:t> (…) Todo lo que necesitamos es considerar que cada una de las proposiciones contingentes tienen razones para ser lo que son, en lugar de otra cosa, o, (para poner lo mismo en otras palabras), que hay una raz</a:t>
             </a:r>
             <a:r>
               <a:rPr lang="es-PE" sz="1600" dirty="0" smtClean="0">
@@ -10401,21 +10138,8 @@
                   <a:srgbClr val="FF0000"/>
                 </a:solidFill>
               </a:rPr>
-              <a:t>ALEA IACTA </a:t>
-            </a:r>
-            <a:r>
-              <a:rPr lang="es-PE" sz="4800" dirty="0" smtClean="0">
-                <a:solidFill>
-                  <a:srgbClr val="FF0000"/>
-                </a:solidFill>
-              </a:rPr>
-              <a:t>EST !!!</a:t>
-            </a:r>
-            <a:endParaRPr lang="es-PE" sz="4800" dirty="0" smtClean="0">
-              <a:solidFill>
-                <a:srgbClr val="FF0000"/>
-              </a:solidFill>
-            </a:endParaRPr>
+              <a:t>ALEA IACTA EST !!!</a:t>
+            </a:r>
           </a:p>
           <a:p>
             <a:pPr algn="ctr"/>
@@ -10498,19 +10222,11 @@
             </a:r>
             <a:r>
               <a:rPr lang="es-PE" dirty="0" smtClean="0"/>
-              <a:t>, pues argumentan que la distinción entre necesidad bruta o metafísica y necesidad moral carece de un alcance real.” </a:t>
-            </a:r>
-            <a:r>
-              <a:rPr lang="es-PE" dirty="0" smtClean="0"/>
-              <a:t>Leticia Cabañas (</a:t>
+              <a:t>, pues argumentan que la distinción entre necesidad bruta o metafísica y necesidad moral carece de un alcance real.” Leticia Cabañas (</a:t>
             </a:r>
             <a:r>
               <a:rPr lang="es-PE" i="1" dirty="0" smtClean="0"/>
-              <a:t>Leibniz </a:t>
-            </a:r>
-            <a:r>
-              <a:rPr lang="es-PE" i="1" dirty="0" smtClean="0"/>
-              <a:t>y </a:t>
+              <a:t>Leibniz y </a:t>
             </a:r>
             <a:r>
               <a:rPr lang="es-PE" i="1" dirty="0" err="1" smtClean="0"/>
@@ -10705,11 +10421,7 @@
             </a:pPr>
             <a:r>
               <a:rPr lang="es-PE" dirty="0" smtClean="0"/>
-              <a:t> </a:t>
-            </a:r>
-            <a:r>
-              <a:rPr lang="es-PE" dirty="0" smtClean="0"/>
-              <a:t>Leibniz busca defender la libertad, frente a la determinación de la substancia individual mediante la separación entre verdades contingentes y necesarias.</a:t>
+              <a:t> Leibniz busca defender la libertad, frente a la determinación de la substancia individual mediante la separación entre verdades contingentes y necesarias.</a:t>
             </a:r>
           </a:p>
           <a:p>
@@ -10731,7 +10443,6 @@
               <a:rPr lang="es-PE" dirty="0" smtClean="0"/>
               <a:t> Habíamos señalado una relación entre el mal y libertad.  Al parecer, la libertad es posibilitada por la opción del mal. Atendamos de modo breve al pasaje de Judas.</a:t>
             </a:r>
-            <a:endParaRPr lang="es-PE" dirty="0" smtClean="0"/>
           </a:p>
           <a:p>
             <a:pPr>
@@ -10787,55 +10498,23 @@
                   <a:srgbClr val="FF0000"/>
                 </a:solidFill>
               </a:rPr>
-              <a:t>“Dios </a:t>
+              <a:t>“Dios simplemente sigue las leyes que ha establecido. Esto es decir, él continuamente preserva y produce nuestro ser de tal forma que nuestros pensamientos ocurran espontánea y libremente en el orden dado de las substancias individuales, con lo cual pueden ser previstas desde toda la eternidad. Aún más</a:t>
             </a:r>
             <a:r>
               <a:rPr lang="es-PE" dirty="0" smtClean="0">
                 <a:solidFill>
+                  <a:schemeClr val="tx1"/>
+                </a:solidFill>
+              </a:rPr>
+              <a:t>, él determina nuestra voluntad a elegir lo que se nos aparece como lo mejor, pero sin hacer el evento necesario</a:t>
+            </a:r>
+            <a:r>
+              <a:rPr lang="es-PE" dirty="0" smtClean="0">
+                <a:solidFill>
                   <a:srgbClr val="FF0000"/>
                 </a:solidFill>
               </a:rPr>
-              <a:t>simplemente sigue las leyes que ha establecido. Esto es decir, él continuamente preserva y produce nuestro ser de tal forma que nuestros pensamientos ocurran espontánea y libremente en el orden dado de las substancias individuales, con lo cual pueden ser previstas desde toda la eternidad. Aún más</a:t>
-            </a:r>
-            <a:r>
-              <a:rPr lang="es-PE" dirty="0" smtClean="0">
-                <a:solidFill>
-                  <a:schemeClr val="tx1"/>
-                </a:solidFill>
-              </a:rPr>
-              <a:t>, él determina nuestra voluntad a elegir lo que se nos aparece como lo mejor, pero sin hacer el evento necesario</a:t>
-            </a:r>
-            <a:r>
-              <a:rPr lang="es-PE" dirty="0" smtClean="0">
-                <a:solidFill>
-                  <a:srgbClr val="FF0000"/>
-                </a:solidFill>
-              </a:rPr>
-              <a:t>. (…) Dios observa todo el tiempo que habrá cierto Judas, cuya noción o idea, que Dios posee, contiene aquella acción libre futura. Eso solo deja la pregunta de por qué tal Judas, el traidor, quien es posible en la mente de Dios, existe efectivamente. Pero ninguna </a:t>
-            </a:r>
-            <a:r>
-              <a:rPr lang="es-PE" dirty="0" smtClean="0">
-                <a:solidFill>
-                  <a:srgbClr val="FF0000"/>
-                </a:solidFill>
-              </a:rPr>
-              <a:t>réplica </a:t>
-            </a:r>
-            <a:r>
-              <a:rPr lang="es-PE" dirty="0" smtClean="0">
-                <a:solidFill>
-                  <a:srgbClr val="FF0000"/>
-                </a:solidFill>
-              </a:rPr>
-              <a:t>para esa pregunta se espera en la Tierra, excepto que en general deberíamos decir que desde que Dios encontró bueno que Judas deba existir, a pesar del pecado previsto, esta maldad debe repagarse con intereses en algún lado del universo. Dios extraerá un bien mayor de </a:t>
-            </a:r>
-            <a:r>
-              <a:rPr lang="es-PE" dirty="0" smtClean="0">
-                <a:solidFill>
-                  <a:srgbClr val="FF0000"/>
-                </a:solidFill>
-              </a:rPr>
-              <a:t>ello”</a:t>
+              <a:t>. (…) Dios observa todo el tiempo que habrá cierto Judas, cuya noción o idea, que Dios posee, contiene aquella acción libre futura. Eso solo deja la pregunta de por qué tal Judas, el traidor, quien es posible en la mente de Dios, existe efectivamente. Pero ninguna réplica para esa pregunta se espera en la Tierra, excepto que en general deberíamos decir que desde que Dios encontró bueno que Judas deba existir, a pesar del pecado previsto, esta maldad debe repagarse con intereses en algún lado del universo. Dios extraerá un bien mayor de ello”</a:t>
             </a:r>
           </a:p>
           <a:p>
@@ -11053,11 +10732,7 @@
             </a:pPr>
             <a:r>
               <a:rPr lang="es-PE" dirty="0" smtClean="0"/>
-              <a:t> </a:t>
-            </a:r>
-            <a:r>
-              <a:rPr lang="es-PE" dirty="0" smtClean="0"/>
-              <a:t>En </a:t>
+              <a:t> En </a:t>
             </a:r>
             <a:r>
               <a:rPr lang="es-PE" i="1" dirty="0" smtClean="0"/>
@@ -11087,7 +10762,6 @@
               <a:rPr lang="es-PE" dirty="0" smtClean="0"/>
               <a:t>”).</a:t>
             </a:r>
-            <a:endParaRPr lang="es-PE" dirty="0" smtClean="0"/>
           </a:p>
           <a:p>
             <a:pPr>
@@ -11103,11 +10777,7 @@
             </a:pPr>
             <a:r>
               <a:rPr lang="es-PE" dirty="0" smtClean="0"/>
-              <a:t> </a:t>
-            </a:r>
-            <a:r>
-              <a:rPr lang="es-PE" dirty="0" smtClean="0"/>
-              <a:t>Parte de la defensa de la libertad en Leibniz supone el </a:t>
+              <a:t> Parte de la defensa de la libertad en Leibniz supone el </a:t>
             </a:r>
             <a:r>
               <a:rPr lang="es-PE" dirty="0" err="1" smtClean="0"/>
@@ -11168,11 +10838,6 @@
               </a:rPr>
               <a:t>“Si la completa indiferencia es requerida para la libertad, entonces difícilmente hay un acto libre, desde que pienso que casi nunca sucede que todo en ambos lados sea igual. Ya que, incluso si las razones son iguales, las pasiones no lo serán. (…) siempre habrá una razón para elegir una alternativa frente a otra.” (2006;4) </a:t>
             </a:r>
-            <a:endParaRPr lang="es-PE" dirty="0" smtClean="0">
-              <a:solidFill>
-                <a:schemeClr val="tx1"/>
-              </a:solidFill>
-            </a:endParaRPr>
           </a:p>
           <a:p>
             <a:pPr algn="ctr"/>
@@ -11420,11 +11085,7 @@
             </a:pPr>
             <a:r>
               <a:rPr lang="es-PE" dirty="0" smtClean="0"/>
-              <a:t> </a:t>
-            </a:r>
-            <a:r>
-              <a:rPr lang="es-PE" dirty="0" smtClean="0"/>
-              <a:t>Para ilustrarlo, refiere el caso de los soldados otomanos, que mueren levemente heridos sin ser atendidos, aún contando con excelentes médicos. Este partido confrontado es llamado “fatalismo turco” o “</a:t>
+              <a:t> Para ilustrarlo, refiere el caso de los soldados otomanos, que mueren levemente heridos sin ser atendidos, aún contando con excelentes médicos. Este partido confrontado es llamado “fatalismo turco” o “</a:t>
             </a:r>
             <a:r>
               <a:rPr lang="es-PE" i="1" dirty="0" err="1" smtClean="0"/>
@@ -11753,23 +11414,7 @@
                   <a:srgbClr val="FF0000"/>
                 </a:solidFill>
               </a:rPr>
-              <a:t>“Todo el porvenir está determinado, sin duda, pero como no sabemos el cómo, ni lo que está previsto y resuelto, debemos cumplir con nuestro deber, siguiendo a la razón que Dios nos ha dado y observando las reglas que nos ha prescrito, y luego debemos mantener el espíritu en reposo, dejando a cargo de Dios mismo el cuidado del </a:t>
-            </a:r>
-            <a:r>
-              <a:rPr lang="es-PE" dirty="0" smtClean="0">
-                <a:solidFill>
-                  <a:srgbClr val="FF0000"/>
-                </a:solidFill>
-              </a:rPr>
-              <a:t>resultado.” </a:t>
-            </a:r>
-            <a:r>
-              <a:rPr lang="es-PE" dirty="0" smtClean="0">
-                <a:solidFill>
-                  <a:srgbClr val="FF0000"/>
-                </a:solidFill>
-              </a:rPr>
-              <a:t>(2014:158) </a:t>
+              <a:t>“Todo el porvenir está determinado, sin duda, pero como no sabemos el cómo, ni lo que está previsto y resuelto, debemos cumplir con nuestro deber, siguiendo a la razón que Dios nos ha dado y observando las reglas que nos ha prescrito, y luego debemos mantener el espíritu en reposo, dejando a cargo de Dios mismo el cuidado del resultado.” (2014:158) </a:t>
             </a:r>
             <a:endParaRPr lang="es-PE" dirty="0">
               <a:solidFill>
@@ -11823,15 +11468,23 @@
                   <a:srgbClr val="00B050"/>
                 </a:solidFill>
               </a:rPr>
-              <a:t>“Hemos </a:t>
+              <a:t>“Hemos hecho ver que la libertad, tal como se explica en las escuelas de teología, consiste en la </a:t>
             </a:r>
             <a:r>
               <a:rPr lang="es-ES" dirty="0" smtClean="0">
                 <a:solidFill>
+                  <a:srgbClr val="FF0000"/>
+                </a:solidFill>
+              </a:rPr>
+              <a:t>inteligencia</a:t>
+            </a:r>
+            <a:r>
+              <a:rPr lang="es-ES" dirty="0" smtClean="0">
+                <a:solidFill>
                   <a:srgbClr val="00B050"/>
                 </a:solidFill>
               </a:rPr>
-              <a:t>hecho ver que la libertad, tal como se explica en las escuelas de teología, consiste en la </a:t>
+              <a:t>, que envuelve un conocimiento claro y distinto del objeto de la deliberación; en la </a:t>
             </a:r>
             <a:r>
               <a:rPr lang="es-ES" dirty="0" smtClean="0">
@@ -11839,7 +11492,7 @@
                   <a:srgbClr val="FF0000"/>
                 </a:solidFill>
               </a:rPr>
-              <a:t>inteligencia</a:t>
+              <a:t>espontaneidad</a:t>
             </a:r>
             <a:r>
               <a:rPr lang="es-ES" dirty="0" smtClean="0">
@@ -11847,7 +11500,7 @@
                   <a:srgbClr val="00B050"/>
                 </a:solidFill>
               </a:rPr>
-              <a:t>, que envuelve un conocimiento claro y distinto del objeto de la deliberación; en la </a:t>
+              <a:t> con la que nos resolvemos, y en la </a:t>
             </a:r>
             <a:r>
               <a:rPr lang="es-ES" dirty="0" smtClean="0">
@@ -11855,7 +11508,7 @@
                   <a:srgbClr val="FF0000"/>
                 </a:solidFill>
               </a:rPr>
-              <a:t>espontaneidad</a:t>
+              <a:t>contingencia</a:t>
             </a:r>
             <a:r>
               <a:rPr lang="es-ES" dirty="0" smtClean="0">
@@ -11863,7 +11516,7 @@
                   <a:srgbClr val="00B050"/>
                 </a:solidFill>
               </a:rPr>
-              <a:t> con la que nos resolvemos, y en la </a:t>
+              <a:t>, es decir, en la exclusión de la necesidad lógica o metafísica. La inteligencia es como el alma de la libertad, y el resto es como el cuerpo y la base. La substancia libre se determina por sí misma y esto, según el motivo del bien, percibido por el entendimiento, que la </a:t>
             </a:r>
             <a:r>
               <a:rPr lang="es-ES" dirty="0" smtClean="0">
@@ -11871,7 +11524,7 @@
                   <a:srgbClr val="FF0000"/>
                 </a:solidFill>
               </a:rPr>
-              <a:t>contingencia</a:t>
+              <a:t>inclina sin necesitarla;</a:t>
             </a:r>
             <a:r>
               <a:rPr lang="es-ES" dirty="0" smtClean="0">
@@ -11879,39 +11532,7 @@
                   <a:srgbClr val="00B050"/>
                 </a:solidFill>
               </a:rPr>
-              <a:t>, es decir, en la exclusión de la necesidad lógica o metafísica. La inteligencia es como el alma de la libertad, y el resto es como el cuerpo y la base. La substancia libre se determina por sí misma y esto, según el motivo del bien, percibido por el entendimiento, que la </a:t>
-            </a:r>
-            <a:r>
-              <a:rPr lang="es-ES" dirty="0" smtClean="0">
-                <a:solidFill>
-                  <a:srgbClr val="FF0000"/>
-                </a:solidFill>
-              </a:rPr>
-              <a:t>inclina sin necesitarla;</a:t>
-            </a:r>
-            <a:r>
-              <a:rPr lang="es-ES" dirty="0" smtClean="0">
-                <a:solidFill>
-                  <a:srgbClr val="00B050"/>
-                </a:solidFill>
-              </a:rPr>
-              <a:t> y todas las condiciones de la libertad están comprendidas en estas pocas palabras. Conviene, sin embargo, mostrar que la imperfección que se encuentra en nuestros conocimientos y en nuestra espontaneidad, y la indeterminación infalible que va envuelta en nuestra contingencia, no destruyen ni la libertad ni la contingencia</a:t>
-            </a:r>
-            <a:r>
-              <a:rPr lang="es-ES" dirty="0" smtClean="0">
-                <a:solidFill>
-                  <a:srgbClr val="00B050"/>
-                </a:solidFill>
-              </a:rPr>
-              <a:t>.”(</a:t>
-            </a:r>
-            <a:r>
-              <a:rPr lang="es-ES" dirty="0" smtClean="0">
-                <a:solidFill>
-                  <a:srgbClr val="00B050"/>
-                </a:solidFill>
-              </a:rPr>
-              <a:t>2014:300)</a:t>
+              <a:t> y todas las condiciones de la libertad están comprendidas en estas pocas palabras. Conviene, sin embargo, mostrar que la imperfección que se encuentra en nuestros conocimientos y en nuestra espontaneidad, y la indeterminación infalible que va envuelta en nuestra contingencia, no destruyen ni la libertad ni la contingencia.”(2014:300)</a:t>
             </a:r>
             <a:endParaRPr lang="es-PE" dirty="0">
               <a:solidFill>
@@ -12047,15 +11668,7 @@
                   <a:srgbClr val="FF0000"/>
                 </a:solidFill>
               </a:rPr>
-              <a:t>. Pero estas expresiones son menos exactas y menos convincentes en las circunstancias en que hoy en día nos encontramos (…) Hay, sin embargo, circunstancias que las hacen aceptables, y si se quiere, útiles, y encontramos que autores santos y ortodoxos, y hasta en las Santas Escrituras, se han servido de frases en uno y otro sentido, sin que haya entre ellas una verdadera oposición.” (2014:295</a:t>
-            </a:r>
-            <a:r>
-              <a:rPr lang="es-PE" sz="2000" dirty="0" smtClean="0">
-                <a:solidFill>
-                  <a:srgbClr val="FF0000"/>
-                </a:solidFill>
-              </a:rPr>
-              <a:t>)</a:t>
+              <a:t>. Pero estas expresiones son menos exactas y menos convincentes en las circunstancias en que hoy en día nos encontramos (…) Hay, sin embargo, circunstancias que las hacen aceptables, y si se quiere, útiles, y encontramos que autores santos y ortodoxos, y hasta en las Santas Escrituras, se han servido de frases en uno y otro sentido, sin que haya entre ellas una verdadera oposición.” (2014:295)</a:t>
             </a:r>
             <a:endParaRPr lang="es-PE" sz="2000" dirty="0" smtClean="0">
               <a:solidFill>
@@ -15293,11 +14906,7 @@
             </a:pPr>
             <a:r>
               <a:rPr lang="es-PE" dirty="0" smtClean="0"/>
-              <a:t> </a:t>
-            </a:r>
-            <a:r>
-              <a:rPr lang="es-PE" dirty="0" smtClean="0"/>
-              <a:t>En la noción perfecta de una substancia individual se pueden apreciar sus determinaciones.</a:t>
+              <a:t> En la noción perfecta de una substancia individual se pueden apreciar sus determinaciones.</a:t>
             </a:r>
           </a:p>
           <a:p>
@@ -15307,11 +14916,7 @@
             </a:pPr>
             <a:r>
               <a:rPr lang="es-PE" dirty="0" smtClean="0"/>
-              <a:t> </a:t>
-            </a:r>
-            <a:r>
-              <a:rPr lang="es-PE" dirty="0" smtClean="0"/>
-              <a:t>Los futuros contingentes están asegurados.</a:t>
+              <a:t> Los futuros contingentes están asegurados.</a:t>
             </a:r>
           </a:p>
           <a:p>
@@ -15321,11 +14926,7 @@
             </a:pPr>
             <a:r>
               <a:rPr lang="es-PE" dirty="0" smtClean="0"/>
-              <a:t> </a:t>
-            </a:r>
-            <a:r>
-              <a:rPr lang="es-PE" dirty="0" smtClean="0"/>
-              <a:t>Existen la concurrencia, la providencia y en el horizonte de lo anterior, la futurición.</a:t>
+              <a:t> Existen la concurrencia, la providencia y en el horizonte de lo anterior, la futurición.</a:t>
             </a:r>
           </a:p>
           <a:p>
@@ -15335,11 +14936,7 @@
             </a:pPr>
             <a:r>
               <a:rPr lang="es-PE" dirty="0" smtClean="0"/>
-              <a:t> </a:t>
-            </a:r>
-            <a:r>
-              <a:rPr lang="es-PE" dirty="0" smtClean="0"/>
-              <a:t>Las decisiones no tienen efecto en el devenir del mundo</a:t>
+              <a:t> Las decisiones no tienen efecto en el devenir del mundo</a:t>
             </a:r>
           </a:p>
           <a:p>
@@ -15349,11 +14946,7 @@
             </a:pPr>
             <a:r>
               <a:rPr lang="es-PE" dirty="0" smtClean="0"/>
-              <a:t> </a:t>
-            </a:r>
-            <a:r>
-              <a:rPr lang="es-PE" dirty="0" smtClean="0"/>
-              <a:t>El destino está asegurado con certeza; el mejor mundo posible está predeterminado.</a:t>
+              <a:t> El destino está asegurado con certeza; el mejor mundo posible está predeterminado.</a:t>
             </a:r>
             <a:endParaRPr lang="es-PE" dirty="0"/>
           </a:p>
@@ -15407,11 +15000,7 @@
             </a:pPr>
             <a:r>
               <a:rPr lang="es-PE" dirty="0" smtClean="0"/>
-              <a:t> </a:t>
-            </a:r>
-            <a:r>
-              <a:rPr lang="es-PE" dirty="0" smtClean="0"/>
-              <a:t>Los futuros contingentes son asegurados pero eso no limita la libertad.</a:t>
+              <a:t> Los futuros contingentes son asegurados pero eso no limita la libertad.</a:t>
             </a:r>
           </a:p>
           <a:p>
@@ -15421,11 +15010,7 @@
             </a:pPr>
             <a:r>
               <a:rPr lang="es-PE" dirty="0" smtClean="0"/>
-              <a:t> </a:t>
-            </a:r>
-            <a:r>
-              <a:rPr lang="es-PE" dirty="0" smtClean="0"/>
-              <a:t>Existe la espontaneidad, de modo que un Julio César cruzando el </a:t>
+              <a:t> Existe la espontaneidad, de modo que un Julio César cruzando el </a:t>
             </a:r>
             <a:r>
               <a:rPr lang="es-PE" dirty="0" err="1" smtClean="0"/>
@@ -15443,11 +15028,7 @@
             </a:pPr>
             <a:r>
               <a:rPr lang="es-PE" dirty="0" smtClean="0"/>
-              <a:t> </a:t>
-            </a:r>
-            <a:r>
-              <a:rPr lang="es-PE" dirty="0" smtClean="0"/>
-              <a:t>A pesar de todo, es una negligencia el ser fatalista, quietista o nihilista.</a:t>
+              <a:t> A pesar de todo, es una negligencia el ser fatalista, quietista o nihilista.</a:t>
             </a:r>
             <a:endParaRPr lang="es-PE" dirty="0"/>
           </a:p>
@@ -15595,7 +15176,11 @@
           <a:p>
             <a:r>
               <a:rPr lang="es-PE" dirty="0" smtClean="0"/>
-              <a:t>Capítulo IV: </a:t>
+              <a:t>IV</a:t>
+            </a:r>
+            <a:r>
+              <a:rPr lang="es-PE" dirty="0" smtClean="0"/>
+              <a:t>: </a:t>
             </a:r>
           </a:p>
           <a:p>
@@ -16316,11 +15901,7 @@
             </a:pPr>
             <a:r>
               <a:rPr lang="es-PE" dirty="0" smtClean="0"/>
-              <a:t> </a:t>
-            </a:r>
-            <a:r>
-              <a:rPr lang="es-PE" dirty="0" smtClean="0"/>
-              <a:t>Toma distancia explícita del determinismo fuerte de </a:t>
+              <a:t> Toma distancia explícita del determinismo fuerte de </a:t>
             </a:r>
             <a:r>
               <a:rPr lang="es-PE" dirty="0" err="1" smtClean="0"/>
@@ -16338,11 +15919,7 @@
             </a:pPr>
             <a:r>
               <a:rPr lang="es-PE" dirty="0" smtClean="0"/>
-              <a:t> </a:t>
-            </a:r>
-            <a:r>
-              <a:rPr lang="es-PE" dirty="0" smtClean="0"/>
-              <a:t>Defiende la armonía preestablecida de un universo determinado que incluye en su diseño a criaturas potencialmente inclinadas al mal, de modo que la República Moral de Mónadas resulta en la verdadera gloria del creador. </a:t>
+              <a:t> Defiende la armonía preestablecida de un universo determinado que incluye en su diseño a criaturas potencialmente inclinadas al mal, de modo que la República Moral de Mónadas resulta en la verdadera gloria del creador. </a:t>
             </a:r>
           </a:p>
           <a:p>
@@ -16386,11 +15963,7 @@
             </a:pPr>
             <a:r>
               <a:rPr lang="es-PE" dirty="0" smtClean="0"/>
-              <a:t> </a:t>
-            </a:r>
-            <a:r>
-              <a:rPr lang="es-PE" dirty="0" smtClean="0"/>
-              <a:t>Es un gran conservador, en el buen sentido de la palabra, aceptando la ortodoxia cristiana y desarrollando la ciencia de su época mediante el uso de su teología filosófica</a:t>
+              <a:t> Es un gran conservador, en el buen sentido de la palabra, aceptando la ortodoxia cristiana y desarrollando la ciencia de su época mediante el uso de su teología filosófica</a:t>
             </a:r>
           </a:p>
           <a:p>
@@ -16400,11 +15973,7 @@
             </a:pPr>
             <a:r>
               <a:rPr lang="es-PE" dirty="0" smtClean="0"/>
-              <a:t>  </a:t>
-            </a:r>
-            <a:r>
-              <a:rPr lang="es-PE" dirty="0" smtClean="0"/>
-              <a:t>De acuerdo a </a:t>
+              <a:t>  De acuerdo a </a:t>
             </a:r>
             <a:r>
               <a:rPr lang="es-PE" dirty="0" err="1" smtClean="0"/>
@@ -16412,11 +15981,7 @@
             </a:r>
             <a:r>
               <a:rPr lang="es-PE" dirty="0" smtClean="0"/>
-              <a:t>, respecto de la noción de libertad en Leibniz: </a:t>
-            </a:r>
-            <a:r>
-              <a:rPr lang="es-PE" dirty="0" smtClean="0"/>
-              <a:t>: “Kant critica esta idea en la segunda </a:t>
+              <a:t>, respecto de la noción de libertad en Leibniz: : “Kant critica esta idea en la segunda </a:t>
             </a:r>
             <a:r>
               <a:rPr lang="es-PE" i="1" dirty="0" smtClean="0"/>
@@ -16444,15 +16009,7 @@
             </a:pPr>
             <a:r>
               <a:rPr lang="es-PE" dirty="0" smtClean="0"/>
-              <a:t>“Sobre la cuestión de la libertad, Leibniz </a:t>
-            </a:r>
-            <a:r>
-              <a:rPr lang="es-PE" dirty="0" smtClean="0"/>
-              <a:t> es </a:t>
-            </a:r>
-            <a:r>
-              <a:rPr lang="es-PE" dirty="0" smtClean="0"/>
-              <a:t>un determinista y un compatibilista, esto es, no ve incompatibilidad entre la libertad y una cierta clase especial de determinismo.” (2001:149) </a:t>
+              <a:t>“Sobre la cuestión de la libertad, Leibniz  es un determinista y un compatibilista, esto es, no ve incompatibilidad entre la libertad y una cierta clase especial de determinismo.” (2001:149) </a:t>
             </a:r>
             <a:endParaRPr lang="es-PE" dirty="0"/>
           </a:p>
@@ -16545,11 +16102,7 @@
             </a:pPr>
             <a:r>
               <a:rPr lang="es-PE" dirty="0" smtClean="0"/>
-              <a:t> </a:t>
-            </a:r>
-            <a:r>
-              <a:rPr lang="es-PE" dirty="0" smtClean="0"/>
-              <a:t>La defensa de la libertad, en Leibniz, es insatisfactoria</a:t>
+              <a:t> La defensa de la libertad, en Leibniz, es insatisfactoria</a:t>
             </a:r>
           </a:p>
           <a:p>
@@ -16559,11 +16112,7 @@
             </a:pPr>
             <a:r>
               <a:rPr lang="es-PE" dirty="0" smtClean="0"/>
-              <a:t> </a:t>
-            </a:r>
-            <a:r>
-              <a:rPr lang="es-PE" dirty="0" smtClean="0"/>
-              <a:t>Dada la indeterminación del concepto de “libertad” en el contexto de Leibniz, uno puede considerar lo oscuro de la controversia.</a:t>
+              <a:t> Dada la indeterminación del concepto de “libertad” en el contexto de Leibniz, uno puede considerar lo oscuro de la controversia.</a:t>
             </a:r>
           </a:p>
           <a:p>
@@ -16573,11 +16122,7 @@
             </a:pPr>
             <a:r>
               <a:rPr lang="es-PE" dirty="0" smtClean="0"/>
-              <a:t> </a:t>
-            </a:r>
-            <a:r>
-              <a:rPr lang="es-PE" dirty="0" smtClean="0"/>
-              <a:t>No se puede acusar a Leibniz de insinceridad, debido a que a pesar de que no armonice determinismo y libertad, defiende el </a:t>
+              <a:t> No se puede acusar a Leibniz de insinceridad, debido a que a pesar de que no armonice determinismo y libertad, defiende el </a:t>
             </a:r>
             <a:r>
               <a:rPr lang="es-PE" dirty="0" err="1" smtClean="0"/>
@@ -16595,11 +16140,7 @@
             </a:pPr>
             <a:r>
               <a:rPr lang="es-PE" dirty="0" smtClean="0"/>
-              <a:t> </a:t>
-            </a:r>
-            <a:r>
-              <a:rPr lang="es-PE" dirty="0" smtClean="0"/>
-              <a:t>Al igual que Leticia Cabañas, </a:t>
+              <a:t> Al igual que Leticia Cabañas, </a:t>
             </a:r>
             <a:r>
               <a:rPr lang="es-PE" dirty="0" err="1" smtClean="0"/>
@@ -16609,7 +16150,6 @@
               <a:rPr lang="es-PE" dirty="0" smtClean="0"/>
               <a:t> no cree adecuada la separación entre necesidad y contingencia. </a:t>
             </a:r>
-            <a:endParaRPr lang="es-PE" dirty="0" smtClean="0"/>
           </a:p>
           <a:p>
             <a:endParaRPr lang="es-PE" dirty="0"/>
@@ -16761,11 +16301,7 @@
             </a:pPr>
             <a:r>
               <a:rPr lang="es-PE" dirty="0" smtClean="0"/>
-              <a:t> </a:t>
-            </a:r>
-            <a:r>
-              <a:rPr lang="es-PE" dirty="0" smtClean="0"/>
-              <a:t>Para este autor,  Leibniz es un compatibilista “optimista”.</a:t>
+              <a:t> Para este autor,  Leibniz es un compatibilista “optimista”.</a:t>
             </a:r>
           </a:p>
           <a:p>
@@ -16809,11 +16345,7 @@
             </a:pPr>
             <a:r>
               <a:rPr lang="es-PE" dirty="0" smtClean="0"/>
-              <a:t> </a:t>
-            </a:r>
-            <a:r>
-              <a:rPr lang="es-PE" dirty="0" smtClean="0"/>
-              <a:t>Queda claro que hay un conflicto entre el “</a:t>
+              <a:t> Queda claro que hay un conflicto entre el “</a:t>
             </a:r>
             <a:r>
               <a:rPr lang="es-PE" dirty="0" err="1" smtClean="0"/>
@@ -16946,11 +16478,7 @@
             </a:pPr>
             <a:r>
               <a:rPr lang="es-PE" dirty="0" smtClean="0"/>
-              <a:t> </a:t>
-            </a:r>
-            <a:r>
-              <a:rPr lang="es-PE" dirty="0" smtClean="0"/>
-              <a:t>Los dominicos, siguiendo a Sto. Tomás de Aquino, sostienen la concurrencia y la presciencia divina de los futuros contingentes.</a:t>
+              <a:t> Los dominicos, siguiendo a Sto. Tomás de Aquino, sostienen la concurrencia y la presciencia divina de los futuros contingentes.</a:t>
             </a:r>
           </a:p>
           <a:p>
@@ -16960,11 +16488,7 @@
             </a:pPr>
             <a:r>
               <a:rPr lang="es-PE" dirty="0" smtClean="0"/>
-              <a:t> </a:t>
-            </a:r>
-            <a:r>
-              <a:rPr lang="es-PE" dirty="0" smtClean="0"/>
-              <a:t>Los jesuitas, siguiendo a Luis de Molina, creen que la postura dominica compromete a la libertad, por lo que postulan que el conocimiento de los futuros contingentes debe darse de modo independiente de la voluntad divina; es decir, sostienen una sabiduría divina prevolicional. </a:t>
+              <a:t> Los jesuitas, siguiendo a Luis de Molina, creen que la postura dominica compromete a la libertad, por lo que postulan que el conocimiento de los futuros contingentes debe darse de modo independiente de la voluntad divina; es decir, sostienen una sabiduría divina prevolicional. </a:t>
             </a:r>
           </a:p>
           <a:p>
@@ -16974,11 +16498,7 @@
             </a:pPr>
             <a:r>
               <a:rPr lang="es-PE" dirty="0" smtClean="0"/>
-              <a:t> </a:t>
-            </a:r>
-            <a:r>
-              <a:rPr lang="es-PE" dirty="0" smtClean="0"/>
-              <a:t>Molina critica la idea de un ámbito doble del conocimiento, sostenido por los dominicos. Por un lado el natural y por otro el libre.  En conceptos de Leibniz, es el ámbito de lo necesario y lo contingente, respectivamente. Molina al contrario, cree que de darse un acto libre, debe ser en una ciencia intermedia  entre aquellas.</a:t>
+              <a:t> Molina critica la idea de un ámbito doble del conocimiento, sostenido por los dominicos. Por un lado el natural y por otro el libre.  En conceptos de Leibniz, es el ámbito de lo necesario y lo contingente, respectivamente. Molina al contrario, cree que de darse un acto libre, debe ser en una ciencia intermedia  entre aquellas.</a:t>
             </a:r>
           </a:p>
           <a:p>
@@ -17049,11 +16569,7 @@
             </a:pPr>
             <a:r>
               <a:rPr lang="es-PE" dirty="0" smtClean="0"/>
-              <a:t> </a:t>
-            </a:r>
-            <a:r>
-              <a:rPr lang="es-PE" dirty="0" smtClean="0"/>
-              <a:t>Así, Leibniz no es ni un libertario, ni un determinista fuerte, ni un </a:t>
+              <a:t> Así, Leibniz no es ni un libertario, ni un determinista fuerte, ni un </a:t>
             </a:r>
             <a:r>
               <a:rPr lang="es-PE" dirty="0" err="1" smtClean="0"/>
@@ -17863,412 +17379,6 @@
 </p:sld>
 </file>
 
-<file path=ppt/slides/slide38.xml><?xml version="1.0" encoding="utf-8"?>
-<p:sld xmlns:a="http://schemas.openxmlformats.org/drawingml/2006/main" xmlns:r="http://schemas.openxmlformats.org/officeDocument/2006/relationships" xmlns:p="http://schemas.openxmlformats.org/presentationml/2006/main">
-  <p:cSld>
-    <p:spTree>
-      <p:nvGrpSpPr>
-        <p:cNvPr id="1" name=""/>
-        <p:cNvGrpSpPr/>
-        <p:nvPr/>
-      </p:nvGrpSpPr>
-      <p:grpSpPr>
-        <a:xfrm>
-          <a:off x="0" y="0"/>
-          <a:ext cx="0" cy="0"/>
-          <a:chOff x="0" y="0"/>
-          <a:chExt cx="0" cy="0"/>
-        </a:xfrm>
-      </p:grpSpPr>
-      <p:sp>
-        <p:nvSpPr>
-          <p:cNvPr id="4" name="3 CuadroTexto"/>
-          <p:cNvSpPr txBox="1"/>
-          <p:nvPr/>
-        </p:nvSpPr>
-        <p:spPr>
-          <a:xfrm>
-            <a:off x="1714480" y="285728"/>
-            <a:ext cx="5633081" cy="923330"/>
-          </a:xfrm>
-          <a:prstGeom prst="rect">
-            <a:avLst/>
-          </a:prstGeom>
-          <a:noFill/>
-        </p:spPr>
-        <p:txBody>
-          <a:bodyPr wrap="none" rtlCol="0">
-            <a:spAutoFit/>
-          </a:bodyPr>
-          <a:lstStyle/>
-          <a:p>
-            <a:pPr algn="ctr"/>
-            <a:r>
-              <a:rPr lang="es-PE" b="1" u="sng" dirty="0" smtClean="0"/>
-              <a:t>CONCLUSIONES</a:t>
-            </a:r>
-          </a:p>
-          <a:p>
-            <a:r>
-              <a:rPr lang="es-PE" b="1" u="sng" dirty="0" smtClean="0"/>
-              <a:t>Leibniz </a:t>
-            </a:r>
-            <a:r>
-              <a:rPr lang="es-PE" b="1" u="sng" dirty="0"/>
-              <a:t>y la compatibilidad entre determinismo y libertad</a:t>
-            </a:r>
-            <a:endParaRPr lang="es-PE" dirty="0"/>
-          </a:p>
-          <a:p>
-            <a:endParaRPr lang="es-PE" dirty="0"/>
-          </a:p>
-        </p:txBody>
-      </p:sp>
-      <p:sp>
-        <p:nvSpPr>
-          <p:cNvPr id="5" name="4 CuadroTexto"/>
-          <p:cNvSpPr txBox="1"/>
-          <p:nvPr/>
-        </p:nvSpPr>
-        <p:spPr>
-          <a:xfrm>
-            <a:off x="285720" y="1285860"/>
-            <a:ext cx="6240619" cy="4247317"/>
-          </a:xfrm>
-          <a:prstGeom prst="rect">
-            <a:avLst/>
-          </a:prstGeom>
-          <a:noFill/>
-        </p:spPr>
-        <p:txBody>
-          <a:bodyPr wrap="none" rtlCol="0">
-            <a:spAutoFit/>
-          </a:bodyPr>
-          <a:lstStyle/>
-          <a:p>
-            <a:r>
-              <a:rPr lang="es-PE" dirty="0" smtClean="0"/>
-              <a:t>Capítulo </a:t>
-            </a:r>
-            <a:r>
-              <a:rPr lang="es-PE" dirty="0"/>
-              <a:t>I</a:t>
-            </a:r>
-            <a:r>
-              <a:rPr lang="es-PE" dirty="0" smtClean="0"/>
-              <a:t>:	</a:t>
-            </a:r>
-          </a:p>
-          <a:p>
-            <a:r>
-              <a:rPr lang="es-PE" dirty="0" smtClean="0"/>
-              <a:t> </a:t>
-            </a:r>
-            <a:r>
-              <a:rPr lang="es-PE" dirty="0"/>
-              <a:t>Panorama general del pensamiento de Leibniz</a:t>
-            </a:r>
-          </a:p>
-          <a:p>
-            <a:endParaRPr lang="es-PE" dirty="0" smtClean="0"/>
-          </a:p>
-          <a:p>
-            <a:endParaRPr lang="es-PE" dirty="0" smtClean="0"/>
-          </a:p>
-          <a:p>
-            <a:r>
-              <a:rPr lang="es-PE" dirty="0" smtClean="0"/>
-              <a:t>Capítulo </a:t>
-            </a:r>
-            <a:r>
-              <a:rPr lang="es-PE" dirty="0"/>
-              <a:t>II: </a:t>
-            </a:r>
-            <a:endParaRPr lang="es-PE" dirty="0" smtClean="0"/>
-          </a:p>
-          <a:p>
-            <a:r>
-              <a:rPr lang="es-PE" dirty="0" smtClean="0"/>
-              <a:t>Panorama </a:t>
-            </a:r>
-            <a:r>
-              <a:rPr lang="es-PE" dirty="0"/>
-              <a:t>general del problema del libre albedrío</a:t>
-            </a:r>
-          </a:p>
-          <a:p>
-            <a:endParaRPr lang="es-PE" dirty="0" smtClean="0"/>
-          </a:p>
-          <a:p>
-            <a:endParaRPr lang="es-PE" dirty="0" smtClean="0"/>
-          </a:p>
-          <a:p>
-            <a:r>
-              <a:rPr lang="es-PE" dirty="0" smtClean="0"/>
-              <a:t>Capítulo </a:t>
-            </a:r>
-            <a:r>
-              <a:rPr lang="es-PE" dirty="0"/>
-              <a:t>III</a:t>
-            </a:r>
-            <a:r>
-              <a:rPr lang="es-PE" dirty="0" smtClean="0"/>
-              <a:t>:</a:t>
-            </a:r>
-          </a:p>
-          <a:p>
-            <a:r>
-              <a:rPr lang="es-PE" dirty="0" smtClean="0"/>
-              <a:t>¿</a:t>
-            </a:r>
-            <a:r>
-              <a:rPr lang="es-PE" dirty="0"/>
-              <a:t>Qué nos dice Leibniz?</a:t>
-            </a:r>
-          </a:p>
-          <a:p>
-            <a:endParaRPr lang="es-PE" dirty="0" smtClean="0"/>
-          </a:p>
-          <a:p>
-            <a:endParaRPr lang="es-PE" dirty="0" smtClean="0"/>
-          </a:p>
-          <a:p>
-            <a:r>
-              <a:rPr lang="es-PE" dirty="0" smtClean="0"/>
-              <a:t>Capítulo </a:t>
-            </a:r>
-            <a:r>
-              <a:rPr lang="es-PE" dirty="0"/>
-              <a:t>IV: </a:t>
-            </a:r>
-            <a:endParaRPr lang="es-PE" dirty="0" smtClean="0"/>
-          </a:p>
-          <a:p>
-            <a:r>
-              <a:rPr lang="es-PE" dirty="0"/>
-              <a:t>	</a:t>
-            </a:r>
-            <a:r>
-              <a:rPr lang="es-PE" dirty="0" smtClean="0"/>
-              <a:t>¿</a:t>
-            </a:r>
-            <a:r>
-              <a:rPr lang="es-PE" dirty="0"/>
-              <a:t>Es Leibniz un determinista fuerte o un compatibilista?</a:t>
-            </a:r>
-          </a:p>
-          <a:p>
-            <a:endParaRPr lang="es-PE" dirty="0"/>
-          </a:p>
-        </p:txBody>
-      </p:sp>
-      <p:sp>
-        <p:nvSpPr>
-          <p:cNvPr id="7" name="6 CuadroTexto"/>
-          <p:cNvSpPr txBox="1"/>
-          <p:nvPr/>
-        </p:nvSpPr>
-        <p:spPr>
-          <a:xfrm>
-            <a:off x="1571604" y="1928802"/>
-            <a:ext cx="7286676" cy="646331"/>
-          </a:xfrm>
-          <a:prstGeom prst="rect">
-            <a:avLst/>
-          </a:prstGeom>
-          <a:noFill/>
-        </p:spPr>
-        <p:txBody>
-          <a:bodyPr wrap="square" rtlCol="0">
-            <a:spAutoFit/>
-          </a:bodyPr>
-          <a:lstStyle/>
-          <a:p>
-            <a:r>
-              <a:rPr lang="es-PE" dirty="0" smtClean="0">
-                <a:solidFill>
-                  <a:srgbClr val="C00000"/>
-                </a:solidFill>
-              </a:rPr>
-              <a:t>El pensamiento de Leibniz es amplio y complejo,  especialmente si investigamos el problema del libre albedrío</a:t>
-            </a:r>
-            <a:endParaRPr lang="es-PE" dirty="0">
-              <a:solidFill>
-                <a:srgbClr val="C00000"/>
-              </a:solidFill>
-            </a:endParaRPr>
-          </a:p>
-        </p:txBody>
-      </p:sp>
-      <p:sp>
-        <p:nvSpPr>
-          <p:cNvPr id="8" name="7 CuadroTexto"/>
-          <p:cNvSpPr txBox="1"/>
-          <p:nvPr/>
-        </p:nvSpPr>
-        <p:spPr>
-          <a:xfrm>
-            <a:off x="1643042" y="3071810"/>
-            <a:ext cx="7286676" cy="646331"/>
-          </a:xfrm>
-          <a:prstGeom prst="rect">
-            <a:avLst/>
-          </a:prstGeom>
-          <a:noFill/>
-        </p:spPr>
-        <p:txBody>
-          <a:bodyPr wrap="square" rtlCol="0">
-            <a:spAutoFit/>
-          </a:bodyPr>
-          <a:lstStyle/>
-          <a:p>
-            <a:r>
-              <a:rPr lang="es-PE" dirty="0" smtClean="0">
-                <a:solidFill>
-                  <a:srgbClr val="C00000"/>
-                </a:solidFill>
-              </a:rPr>
-              <a:t>La controversia supone una serie de partidos que buscan responder a la tensión entre determinismo y libertad. </a:t>
-            </a:r>
-            <a:endParaRPr lang="es-PE" dirty="0">
-              <a:solidFill>
-                <a:srgbClr val="C00000"/>
-              </a:solidFill>
-            </a:endParaRPr>
-          </a:p>
-        </p:txBody>
-      </p:sp>
-      <p:sp>
-        <p:nvSpPr>
-          <p:cNvPr id="9" name="8 CuadroTexto"/>
-          <p:cNvSpPr txBox="1"/>
-          <p:nvPr/>
-        </p:nvSpPr>
-        <p:spPr>
-          <a:xfrm>
-            <a:off x="1643042" y="4143380"/>
-            <a:ext cx="7286676" cy="646331"/>
-          </a:xfrm>
-          <a:prstGeom prst="rect">
-            <a:avLst/>
-          </a:prstGeom>
-          <a:noFill/>
-        </p:spPr>
-        <p:txBody>
-          <a:bodyPr wrap="square" rtlCol="0">
-            <a:spAutoFit/>
-          </a:bodyPr>
-          <a:lstStyle/>
-          <a:p>
-            <a:r>
-              <a:rPr lang="es-PE" dirty="0" smtClean="0">
-                <a:solidFill>
-                  <a:srgbClr val="C00000"/>
-                </a:solidFill>
-              </a:rPr>
-              <a:t>Leibniz sostiene ideas que soportan un determinismo fuerte, y al mismo tiempo defiende la libertad humana. </a:t>
-            </a:r>
-            <a:endParaRPr lang="es-PE" dirty="0">
-              <a:solidFill>
-                <a:srgbClr val="C00000"/>
-              </a:solidFill>
-            </a:endParaRPr>
-          </a:p>
-        </p:txBody>
-      </p:sp>
-      <p:sp>
-        <p:nvSpPr>
-          <p:cNvPr id="10" name="9 CuadroTexto"/>
-          <p:cNvSpPr txBox="1"/>
-          <p:nvPr/>
-        </p:nvSpPr>
-        <p:spPr>
-          <a:xfrm>
-            <a:off x="1571604" y="5229043"/>
-            <a:ext cx="7286676" cy="1200329"/>
-          </a:xfrm>
-          <a:prstGeom prst="rect">
-            <a:avLst/>
-          </a:prstGeom>
-          <a:noFill/>
-        </p:spPr>
-        <p:txBody>
-          <a:bodyPr wrap="square" rtlCol="0">
-            <a:spAutoFit/>
-          </a:bodyPr>
-          <a:lstStyle/>
-          <a:p>
-            <a:r>
-              <a:rPr lang="es-PE" dirty="0" smtClean="0">
-                <a:solidFill>
-                  <a:srgbClr val="C00000"/>
-                </a:solidFill>
-              </a:rPr>
-              <a:t>No es sencillo etiquetar a Leibniz. La mayoría da por sentado que Leibniz es un determinista fuerte; muchos le interpretan como un compatibilista. Muchos  otros defienden la idea de que no articula una armonización satisfactoria.  Sin embargo </a:t>
-            </a:r>
-            <a:r>
-              <a:rPr lang="es-PE" dirty="0" smtClean="0">
-                <a:solidFill>
-                  <a:srgbClr val="00B050"/>
-                </a:solidFill>
-              </a:rPr>
-              <a:t>es claramente un </a:t>
-            </a:r>
-            <a:r>
-              <a:rPr lang="es-PE" dirty="0" err="1" smtClean="0">
-                <a:solidFill>
-                  <a:srgbClr val="00B050"/>
-                </a:solidFill>
-              </a:rPr>
-              <a:t>antiquietista</a:t>
-            </a:r>
-            <a:r>
-              <a:rPr lang="es-PE" dirty="0" smtClean="0">
-                <a:solidFill>
-                  <a:srgbClr val="00B050"/>
-                </a:solidFill>
-              </a:rPr>
-              <a:t> y </a:t>
-            </a:r>
-            <a:r>
-              <a:rPr lang="es-PE" dirty="0" err="1" smtClean="0">
-                <a:solidFill>
-                  <a:srgbClr val="00B050"/>
-                </a:solidFill>
-              </a:rPr>
-              <a:t>antifatalista</a:t>
-            </a:r>
-            <a:r>
-              <a:rPr lang="es-PE" dirty="0" smtClean="0">
-                <a:solidFill>
-                  <a:srgbClr val="00B050"/>
-                </a:solidFill>
-              </a:rPr>
-              <a:t>. </a:t>
-            </a:r>
-            <a:endParaRPr lang="es-PE" dirty="0">
-              <a:solidFill>
-                <a:srgbClr val="00B050"/>
-              </a:solidFill>
-            </a:endParaRPr>
-          </a:p>
-        </p:txBody>
-      </p:sp>
-    </p:spTree>
-  </p:cSld>
-  <p:clrMapOvr>
-    <a:masterClrMapping/>
-  </p:clrMapOvr>
-  <p:timing>
-    <p:tnLst>
-      <p:par>
-        <p:cTn id="1" dur="indefinite" restart="never" nodeType="tmRoot"/>
-      </p:par>
-    </p:tnLst>
-  </p:timing>
-</p:sld>
-</file>
-
 <file path=ppt/slides/slide4.xml><?xml version="1.0" encoding="utf-8"?>
 <p:sld xmlns:a="http://schemas.openxmlformats.org/drawingml/2006/main" xmlns:r="http://schemas.openxmlformats.org/officeDocument/2006/relationships" xmlns:p="http://schemas.openxmlformats.org/presentationml/2006/main">
   <p:cSld>
@@ -18378,7 +17488,6 @@
               <a:rPr lang="es-PE" dirty="0" smtClean="0"/>
               <a:t>, la existencia de los futuros contingentes, la providencia y la concurrencia. Todos ellos confrontan la idea de una libertad. </a:t>
             </a:r>
-            <a:endParaRPr lang="es-PE" dirty="0" smtClean="0"/>
           </a:p>
           <a:p>
             <a:pPr algn="just">
@@ -18431,11 +17540,7 @@
             </a:pPr>
             <a:r>
               <a:rPr lang="es-PE" dirty="0" smtClean="0"/>
-              <a:t>Desde </a:t>
-            </a:r>
-            <a:r>
-              <a:rPr lang="es-PE" dirty="0" smtClean="0"/>
-              <a:t>la Teología, a pesar de lo expuesto en contraposición, Leibniz defiende la libertad humana como dotación divina. </a:t>
+              <a:t>Desde la Teología, a pesar de lo expuesto en contraposición, Leibniz defiende la libertad humana como dotación divina. </a:t>
             </a:r>
           </a:p>
           <a:p>
@@ -18655,7 +17760,11 @@
           <a:p>
             <a:r>
               <a:rPr lang="es-PE" dirty="0" smtClean="0"/>
-              <a:t>Capítulo II: </a:t>
+              <a:t>II</a:t>
+            </a:r>
+            <a:r>
+              <a:rPr lang="es-PE" dirty="0" smtClean="0"/>
+              <a:t>: </a:t>
             </a:r>
           </a:p>
           <a:p>
@@ -23443,7 +22552,7 @@
         <p:spPr>
           <a:xfrm>
             <a:off x="0" y="0"/>
-            <a:ext cx="9144000" cy="6740307"/>
+            <a:ext cx="9144000" cy="6370975"/>
           </a:xfrm>
           <a:prstGeom prst="rect">
             <a:avLst/>
@@ -23458,7 +22567,11 @@
           <a:p>
             <a:r>
               <a:rPr lang="es-PE" sz="2400" dirty="0" smtClean="0"/>
-              <a:t>Capítulo III:</a:t>
+              <a:t>III</a:t>
+            </a:r>
+            <a:r>
+              <a:rPr lang="es-PE" sz="2400" dirty="0" smtClean="0"/>
+              <a:t>:</a:t>
             </a:r>
           </a:p>
           <a:p>
@@ -23479,9 +22592,6 @@
           </a:p>
           <a:p>
             <a:endParaRPr lang="es-PE" sz="2400" u="sng" dirty="0" smtClean="0"/>
-          </a:p>
-          <a:p>
-            <a:endParaRPr lang="es-PE" sz="2400" u="sng" dirty="0"/>
           </a:p>
           <a:p>
             <a:endParaRPr lang="es-PE" sz="2400" u="sng" dirty="0" smtClean="0"/>
@@ -23563,8 +22673,8 @@
         </p:nvSpPr>
         <p:spPr>
           <a:xfrm>
-            <a:off x="1428728" y="3071810"/>
-            <a:ext cx="4857784" cy="928694"/>
+            <a:off x="1428728" y="2786058"/>
+            <a:ext cx="4643470" cy="785818"/>
           </a:xfrm>
           <a:prstGeom prst="ellipse">
             <a:avLst/>
